--- a/Cloud TF 회고.pptx
+++ b/Cloud TF 회고.pptx
@@ -7,10 +7,12 @@
   <p:sldIdLst>
     <p:sldId id="256" r:id="rId2"/>
     <p:sldId id="257" r:id="rId3"/>
-    <p:sldId id="258" r:id="rId4"/>
-    <p:sldId id="259" r:id="rId5"/>
-    <p:sldId id="260" r:id="rId6"/>
-    <p:sldId id="261" r:id="rId7"/>
+    <p:sldId id="262" r:id="rId4"/>
+    <p:sldId id="263" r:id="rId5"/>
+    <p:sldId id="258" r:id="rId6"/>
+    <p:sldId id="259" r:id="rId7"/>
+    <p:sldId id="260" r:id="rId8"/>
+    <p:sldId id="261" r:id="rId9"/>
   </p:sldIdLst>
   <p:sldSz cx="9144000" cy="5143500" type="screen16x9"/>
   <p:notesSz cx="6858000" cy="9144000"/>
@@ -2545,11 +2547,27 @@
   <p:cSld>
     <p:bg>
       <p:bgPr>
-        <a:solidFill>
-          <a:srgbClr val="00CC66">
-            <a:alpha val="0"/>
-          </a:srgbClr>
-        </a:solidFill>
+        <a:gradFill flip="none" rotWithShape="1">
+          <a:gsLst>
+            <a:gs pos="0">
+              <a:srgbClr val="3994F9"/>
+            </a:gs>
+            <a:gs pos="50000">
+              <a:schemeClr val="accent1">
+                <a:tint val="44500"/>
+                <a:satMod val="160000"/>
+              </a:schemeClr>
+            </a:gs>
+            <a:gs pos="100000">
+              <a:schemeClr val="accent1">
+                <a:tint val="23500"/>
+                <a:satMod val="160000"/>
+              </a:schemeClr>
+            </a:gs>
+          </a:gsLst>
+          <a:lin ang="5400000" scaled="1"/>
+          <a:tileRect/>
+        </a:gradFill>
         <a:effectLst/>
       </p:bgPr>
     </p:bg>
@@ -3055,18 +3073,6 @@
 <file path=ppt/slides/slide1.xml><?xml version="1.0" encoding="utf-8"?>
 <p:sld xmlns:a="http://schemas.openxmlformats.org/drawingml/2006/main" xmlns:r="http://schemas.openxmlformats.org/officeDocument/2006/relationships" xmlns:p="http://schemas.openxmlformats.org/presentationml/2006/main">
   <p:cSld>
-    <p:bg>
-      <p:bgPr>
-        <a:solidFill>
-          <a:schemeClr val="tx2">
-            <a:lumMod val="60000"/>
-            <a:lumOff val="40000"/>
-            <a:alpha val="48000"/>
-          </a:schemeClr>
-        </a:solidFill>
-        <a:effectLst/>
-      </p:bgPr>
-    </p:bg>
     <p:spTree>
       <p:nvGrpSpPr>
         <p:cNvPr id="1" name=""/>
@@ -3175,7 +3181,10 @@
           <p:nvPr/>
         </p:nvPicPr>
         <p:blipFill>
-          <a:blip r:embed="rId2" cstate="print"/>
+          <a:blip r:embed="rId2" cstate="print">
+            <a:grayscl/>
+            <a:lum bright="-48000" contrast="37000"/>
+          </a:blip>
           <a:srcRect/>
           <a:stretch>
             <a:fillRect/>
@@ -3447,117 +3456,376 @@
           <a:chExt cx="0" cy="0"/>
         </a:xfrm>
       </p:grpSpPr>
-      <p:sp>
-        <p:nvSpPr>
-          <p:cNvPr id="2" name="제목 1"/>
-          <p:cNvSpPr>
-            <a:spLocks noGrp="1"/>
-          </p:cNvSpPr>
-          <p:nvPr>
-            <p:ph type="title"/>
-          </p:nvPr>
-        </p:nvSpPr>
-        <p:spPr/>
-        <p:txBody>
-          <a:bodyPr/>
-          <a:lstStyle/>
-          <a:p>
-            <a:r>
-              <a:rPr lang="ko-KR" altLang="en-US" dirty="0" smtClean="0"/>
-              <a:t>목차</a:t>
-            </a:r>
-            <a:r>
-              <a:rPr lang="en-US" altLang="ko-KR" dirty="0" smtClean="0"/>
-              <a:t>	</a:t>
-            </a:r>
-            <a:endParaRPr lang="ko-KR" altLang="en-US" dirty="0"/>
-          </a:p>
-        </p:txBody>
-      </p:sp>
-      <p:sp>
-        <p:nvSpPr>
-          <p:cNvPr id="3" name="내용 개체 틀 2"/>
-          <p:cNvSpPr>
-            <a:spLocks noGrp="1"/>
-          </p:cNvSpPr>
-          <p:nvPr>
-            <p:ph idx="1"/>
-          </p:nvPr>
-        </p:nvSpPr>
-        <p:spPr/>
-        <p:txBody>
-          <a:bodyPr/>
-          <a:lstStyle/>
-          <a:p>
-            <a:r>
-              <a:rPr lang="en-US" altLang="ko-KR" dirty="0" smtClean="0"/>
-              <a:t>1. </a:t>
-            </a:r>
-            <a:r>
-              <a:rPr lang="ko-KR" altLang="en-US" dirty="0" smtClean="0"/>
-              <a:t>카카오 화면으로 </a:t>
-            </a:r>
-            <a:r>
-              <a:rPr lang="en-US" altLang="ko-KR" dirty="0" smtClean="0"/>
+      <p:pic>
+        <p:nvPicPr>
+          <p:cNvPr id="13" name="Picture 2" descr="ppt template cloudì ëí ì´ë¯¸ì§ ê²ìê²°ê³¼"/>
+          <p:cNvPicPr>
+            <a:picLocks noChangeArrowheads="1"/>
+          </p:cNvPicPr>
+          <p:nvPr/>
+        </p:nvPicPr>
+        <p:blipFill>
+          <a:blip r:embed="rId2" cstate="print">
+            <a:grayscl/>
+            <a:lum bright="-48000" contrast="37000"/>
+          </a:blip>
+          <a:srcRect/>
+          <a:stretch>
+            <a:fillRect/>
+          </a:stretch>
+        </p:blipFill>
+        <p:spPr bwMode="auto">
+          <a:xfrm>
+            <a:off x="0" y="0"/>
+            <a:ext cx="9144000" cy="5143500"/>
+          </a:xfrm>
+          <a:prstGeom prst="rect">
+            <a:avLst/>
+          </a:prstGeom>
+          <a:noFill/>
+        </p:spPr>
+      </p:pic>
+      <p:sp>
+        <p:nvSpPr>
+          <p:cNvPr id="9" name="TextBox 8"/>
+          <p:cNvSpPr txBox="1"/>
+          <p:nvPr/>
+        </p:nvSpPr>
+        <p:spPr>
+          <a:xfrm>
+            <a:off x="1871700" y="1626935"/>
+            <a:ext cx="5400600" cy="1200329"/>
+          </a:xfrm>
+          <a:prstGeom prst="rect">
+            <a:avLst/>
+          </a:prstGeom>
+          <a:noFill/>
+        </p:spPr>
+        <p:txBody>
+          <a:bodyPr wrap="square" rtlCol="0">
+            <a:spAutoFit/>
+          </a:bodyPr>
+          <a:lstStyle/>
+          <a:p>
+            <a:pPr marL="342900" indent="-342900">
+              <a:buAutoNum type="arabicPeriod"/>
+            </a:pPr>
+            <a:r>
+              <a:rPr lang="ko-KR" altLang="en-US" spc="-150" dirty="0" smtClean="0">
+                <a:solidFill>
+                  <a:schemeClr val="bg1"/>
+                </a:solidFill>
+                <a:latin typeface="나눔명조" pitchFamily="18" charset="-127"/>
+                <a:ea typeface="나눔명조" pitchFamily="18" charset="-127"/>
+              </a:rPr>
+              <a:t>카카오 </a:t>
+            </a:r>
+            <a:r>
+              <a:rPr lang="ko-KR" altLang="en-US" spc="-150" dirty="0" err="1" smtClean="0">
+                <a:solidFill>
+                  <a:schemeClr val="bg1"/>
+                </a:solidFill>
+                <a:latin typeface="나눔명조" pitchFamily="18" charset="-127"/>
+                <a:ea typeface="나눔명조" pitchFamily="18" charset="-127"/>
+              </a:rPr>
+              <a:t>챗봇</a:t>
+            </a:r>
+            <a:r>
+              <a:rPr lang="ko-KR" altLang="en-US" spc="-150" dirty="0" smtClean="0">
+                <a:solidFill>
+                  <a:schemeClr val="bg1"/>
+                </a:solidFill>
+                <a:latin typeface="나눔명조" pitchFamily="18" charset="-127"/>
+                <a:ea typeface="나눔명조" pitchFamily="18" charset="-127"/>
+              </a:rPr>
+              <a:t> 화면으로 </a:t>
+            </a:r>
+            <a:r>
+              <a:rPr lang="en-US" altLang="ko-KR" spc="-150" dirty="0" smtClean="0">
+                <a:solidFill>
+                  <a:schemeClr val="bg1"/>
+                </a:solidFill>
+                <a:latin typeface="나눔명조" pitchFamily="18" charset="-127"/>
+                <a:ea typeface="나눔명조" pitchFamily="18" charset="-127"/>
+              </a:rPr>
               <a:t>CRUD</a:t>
             </a:r>
             <a:r>
-              <a:rPr lang="ko-KR" altLang="en-US" dirty="0"/>
+              <a:rPr lang="ko-KR" altLang="en-US" spc="-150" dirty="0" smtClean="0">
+                <a:solidFill>
+                  <a:schemeClr val="bg1"/>
+                </a:solidFill>
+                <a:latin typeface="나눔명조" pitchFamily="18" charset="-127"/>
+                <a:ea typeface="나눔명조" pitchFamily="18" charset="-127"/>
+              </a:rPr>
+              <a:t> 실습</a:t>
+            </a:r>
+            <a:endParaRPr lang="en-US" altLang="ko-KR" spc="-150" dirty="0" smtClean="0">
+              <a:solidFill>
+                <a:schemeClr val="bg1"/>
+              </a:solidFill>
+              <a:latin typeface="나눔명조" pitchFamily="18" charset="-127"/>
+              <a:ea typeface="나눔명조" pitchFamily="18" charset="-127"/>
+            </a:endParaRPr>
+          </a:p>
+          <a:p>
+            <a:pPr marL="342900" indent="-342900">
+              <a:buAutoNum type="arabicPeriod"/>
+            </a:pPr>
+            <a:r>
+              <a:rPr lang="en-US" altLang="ko-KR" spc="-150" dirty="0" err="1" smtClean="0">
+                <a:solidFill>
+                  <a:schemeClr val="bg1"/>
+                </a:solidFill>
+                <a:latin typeface="나눔명조" pitchFamily="18" charset="-127"/>
+                <a:ea typeface="나눔명조" pitchFamily="18" charset="-127"/>
+              </a:rPr>
+              <a:t>git</a:t>
+            </a:r>
+            <a:r>
+              <a:rPr lang="en-US" altLang="ko-KR" spc="-150" dirty="0" smtClean="0">
+                <a:solidFill>
+                  <a:schemeClr val="bg1"/>
+                </a:solidFill>
+                <a:latin typeface="나눔명조" pitchFamily="18" charset="-127"/>
+                <a:ea typeface="나눔명조" pitchFamily="18" charset="-127"/>
+              </a:rPr>
+              <a:t>-imager : </a:t>
+            </a:r>
+            <a:r>
+              <a:rPr lang="en-US" altLang="ko-KR" spc="-150" dirty="0" err="1" smtClean="0">
+                <a:solidFill>
+                  <a:schemeClr val="bg1"/>
+                </a:solidFill>
+                <a:latin typeface="나눔명조" pitchFamily="18" charset="-127"/>
+                <a:ea typeface="나눔명조" pitchFamily="18" charset="-127"/>
+              </a:rPr>
+              <a:t>github</a:t>
+            </a:r>
+            <a:r>
+              <a:rPr lang="ko-KR" altLang="en-US" spc="-150" dirty="0" smtClean="0">
+                <a:solidFill>
+                  <a:schemeClr val="bg1"/>
+                </a:solidFill>
+                <a:latin typeface="나눔명조" pitchFamily="18" charset="-127"/>
+                <a:ea typeface="나눔명조" pitchFamily="18" charset="-127"/>
+              </a:rPr>
+              <a:t>을 이용한 </a:t>
+            </a:r>
+            <a:r>
+              <a:rPr lang="en-US" altLang="ko-KR" spc="-150" dirty="0" smtClean="0">
+                <a:solidFill>
+                  <a:schemeClr val="bg1"/>
+                </a:solidFill>
+                <a:latin typeface="나눔명조" pitchFamily="18" charset="-127"/>
+                <a:ea typeface="나눔명조" pitchFamily="18" charset="-127"/>
+              </a:rPr>
+              <a:t>html </a:t>
+            </a:r>
+            <a:r>
+              <a:rPr lang="ko-KR" altLang="en-US" spc="-150" dirty="0" smtClean="0">
+                <a:solidFill>
+                  <a:schemeClr val="bg1"/>
+                </a:solidFill>
+                <a:latin typeface="나눔명조" pitchFamily="18" charset="-127"/>
+                <a:ea typeface="나눔명조" pitchFamily="18" charset="-127"/>
+              </a:rPr>
+              <a:t>이미지 </a:t>
+            </a:r>
+            <a:r>
+              <a:rPr lang="en-US" altLang="ko-KR" spc="-150" dirty="0" err="1" smtClean="0">
+                <a:solidFill>
+                  <a:schemeClr val="bg1"/>
+                </a:solidFill>
+                <a:latin typeface="나눔명조" pitchFamily="18" charset="-127"/>
+                <a:ea typeface="나눔명조" pitchFamily="18" charset="-127"/>
+              </a:rPr>
+              <a:t>url</a:t>
+            </a:r>
+            <a:r>
+              <a:rPr lang="en-US" altLang="ko-KR" spc="-150" dirty="0" smtClean="0">
+                <a:solidFill>
+                  <a:schemeClr val="bg1"/>
+                </a:solidFill>
+                <a:latin typeface="나눔명조" pitchFamily="18" charset="-127"/>
+                <a:ea typeface="나눔명조" pitchFamily="18" charset="-127"/>
+              </a:rPr>
               <a:t> </a:t>
             </a:r>
             <a:r>
-              <a:rPr lang="ko-KR" altLang="en-US" dirty="0" smtClean="0"/>
-              <a:t>확</a:t>
-            </a:r>
-            <a:r>
-              <a:rPr lang="ko-KR" altLang="en-US" dirty="0"/>
-              <a:t>인</a:t>
-            </a:r>
-            <a:endParaRPr lang="en-US" altLang="ko-KR" dirty="0" smtClean="0"/>
-          </a:p>
-          <a:p>
-            <a:r>
-              <a:rPr lang="en-US" altLang="ko-KR" dirty="0" smtClean="0"/>
-              <a:t>2. GIT HU</a:t>
-            </a:r>
-          </a:p>
-          <a:p>
-            <a:r>
-              <a:rPr lang="en-US" altLang="ko-KR" dirty="0" smtClean="0"/>
-              <a:t>3. </a:t>
-            </a:r>
-            <a:r>
-              <a:rPr lang="en-US" altLang="ko-KR" dirty="0" err="1" smtClean="0"/>
+              <a:rPr lang="ko-KR" altLang="en-US" spc="-150" dirty="0" smtClean="0">
+                <a:solidFill>
+                  <a:schemeClr val="bg1"/>
+                </a:solidFill>
+                <a:latin typeface="나눔명조" pitchFamily="18" charset="-127"/>
+                <a:ea typeface="나눔명조" pitchFamily="18" charset="-127"/>
+              </a:rPr>
+              <a:t>생성 모듈</a:t>
+            </a:r>
+            <a:endParaRPr lang="en-US" altLang="ko-KR" spc="-150" dirty="0" smtClean="0">
+              <a:solidFill>
+                <a:schemeClr val="bg1"/>
+              </a:solidFill>
+              <a:latin typeface="나눔명조" pitchFamily="18" charset="-127"/>
+              <a:ea typeface="나눔명조" pitchFamily="18" charset="-127"/>
+            </a:endParaRPr>
+          </a:p>
+          <a:p>
+            <a:pPr marL="342900" indent="-342900">
+              <a:buAutoNum type="arabicPeriod"/>
+            </a:pPr>
+            <a:r>
+              <a:rPr lang="en-US" altLang="ko-KR" spc="-150" dirty="0" err="1" smtClean="0">
+                <a:solidFill>
+                  <a:schemeClr val="bg1"/>
+                </a:solidFill>
+                <a:latin typeface="나눔명조" pitchFamily="18" charset="-127"/>
+                <a:ea typeface="나눔명조" pitchFamily="18" charset="-127"/>
+              </a:rPr>
               <a:t>Travelog</a:t>
             </a:r>
             <a:r>
-              <a:rPr lang="en-US" altLang="ko-KR" dirty="0" smtClean="0"/>
+              <a:rPr lang="en-US" altLang="ko-KR" spc="-150" dirty="0" smtClean="0">
+                <a:solidFill>
+                  <a:schemeClr val="bg1"/>
+                </a:solidFill>
+                <a:latin typeface="나눔명조" pitchFamily="18" charset="-127"/>
+                <a:ea typeface="나눔명조" pitchFamily="18" charset="-127"/>
+              </a:rPr>
               <a:t> </a:t>
             </a:r>
             <a:r>
-              <a:rPr lang="ko-KR" altLang="en-US" dirty="0" smtClean="0"/>
+              <a:rPr lang="ko-KR" altLang="en-US" spc="-150" dirty="0" smtClean="0">
+                <a:solidFill>
+                  <a:schemeClr val="bg1"/>
+                </a:solidFill>
+                <a:latin typeface="나눔명조" pitchFamily="18" charset="-127"/>
+                <a:ea typeface="나눔명조" pitchFamily="18" charset="-127"/>
+              </a:rPr>
               <a:t>공유 </a:t>
             </a:r>
             <a:r>
-              <a:rPr lang="ko-KR" altLang="en-US" dirty="0" err="1" smtClean="0"/>
+              <a:rPr lang="ko-KR" altLang="en-US" spc="-150" dirty="0" err="1" smtClean="0">
+                <a:solidFill>
+                  <a:schemeClr val="bg1"/>
+                </a:solidFill>
+                <a:latin typeface="나눔명조" pitchFamily="18" charset="-127"/>
+                <a:ea typeface="나눔명조" pitchFamily="18" charset="-127"/>
+              </a:rPr>
               <a:t>웹페이지</a:t>
             </a:r>
-            <a:endParaRPr lang="en-US" altLang="ko-KR" dirty="0" smtClean="0"/>
-          </a:p>
-          <a:p>
-            <a:r>
-              <a:rPr lang="en-US" altLang="ko-KR" dirty="0" smtClean="0"/>
-              <a:t>4. </a:t>
-            </a:r>
-            <a:r>
-              <a:rPr lang="ko-KR" altLang="en-US" dirty="0" err="1" smtClean="0"/>
-              <a:t>얻은점느낀</a:t>
-            </a:r>
-            <a:r>
-              <a:rPr lang="ko-KR" altLang="en-US" dirty="0" smtClean="0"/>
-              <a:t> 점  </a:t>
-            </a:r>
-            <a:endParaRPr lang="en-US" altLang="ko-KR" dirty="0" smtClean="0"/>
+            <a:endParaRPr lang="en-US" altLang="ko-KR" spc="-150" dirty="0" smtClean="0">
+              <a:solidFill>
+                <a:schemeClr val="bg1"/>
+              </a:solidFill>
+              <a:latin typeface="나눔명조" pitchFamily="18" charset="-127"/>
+              <a:ea typeface="나눔명조" pitchFamily="18" charset="-127"/>
+            </a:endParaRPr>
+          </a:p>
+          <a:p>
+            <a:pPr marL="342900" indent="-342900">
+              <a:buAutoNum type="arabicPeriod"/>
+            </a:pPr>
+            <a:r>
+              <a:rPr lang="ko-KR" altLang="en-US" spc="-150" dirty="0" smtClean="0">
+                <a:solidFill>
+                  <a:schemeClr val="bg1"/>
+                </a:solidFill>
+                <a:latin typeface="나눔명조" pitchFamily="18" charset="-127"/>
+                <a:ea typeface="나눔명조" pitchFamily="18" charset="-127"/>
+              </a:rPr>
+              <a:t>최종 </a:t>
+            </a:r>
+            <a:r>
+              <a:rPr lang="ko-KR" altLang="en-US" spc="-150" dirty="0" err="1" smtClean="0">
+                <a:solidFill>
+                  <a:schemeClr val="bg1"/>
+                </a:solidFill>
+                <a:latin typeface="나눔명조" pitchFamily="18" charset="-127"/>
+                <a:ea typeface="나눔명조" pitchFamily="18" charset="-127"/>
+              </a:rPr>
+              <a:t>느낀점</a:t>
+            </a:r>
+            <a:r>
+              <a:rPr lang="en-US" altLang="ko-KR" spc="-150" dirty="0" smtClean="0">
+                <a:solidFill>
+                  <a:schemeClr val="bg1"/>
+                </a:solidFill>
+                <a:latin typeface="나눔명조" pitchFamily="18" charset="-127"/>
+                <a:ea typeface="나눔명조" pitchFamily="18" charset="-127"/>
+              </a:rPr>
+              <a:t>.</a:t>
+            </a:r>
+            <a:endParaRPr lang="ko-KR" altLang="en-US" spc="-150" dirty="0">
+              <a:solidFill>
+                <a:schemeClr val="bg1"/>
+              </a:solidFill>
+              <a:latin typeface="나눔명조" pitchFamily="18" charset="-127"/>
+              <a:ea typeface="나눔명조" pitchFamily="18" charset="-127"/>
+            </a:endParaRPr>
+          </a:p>
+        </p:txBody>
+      </p:sp>
+      <p:sp>
+        <p:nvSpPr>
+          <p:cNvPr id="12" name="TextBox 11"/>
+          <p:cNvSpPr txBox="1"/>
+          <p:nvPr/>
+        </p:nvSpPr>
+        <p:spPr>
+          <a:xfrm>
+            <a:off x="1907704" y="987574"/>
+            <a:ext cx="5400600" cy="369332"/>
+          </a:xfrm>
+          <a:prstGeom prst="rect">
+            <a:avLst/>
+          </a:prstGeom>
+          <a:noFill/>
+        </p:spPr>
+        <p:txBody>
+          <a:bodyPr wrap="square" rtlCol="0">
+            <a:spAutoFit/>
+          </a:bodyPr>
+          <a:lstStyle/>
+          <a:p>
+            <a:pPr marL="342900" indent="-342900"/>
+            <a:r>
+              <a:rPr lang="en-US" altLang="ko-KR" spc="-150" dirty="0" smtClean="0">
+                <a:solidFill>
+                  <a:schemeClr val="bg1"/>
+                </a:solidFill>
+                <a:latin typeface="나눔명조" pitchFamily="18" charset="-127"/>
+                <a:ea typeface="나눔명조" pitchFamily="18" charset="-127"/>
+              </a:rPr>
+              <a:t>- </a:t>
+            </a:r>
+            <a:r>
+              <a:rPr lang="ko-KR" altLang="en-US" spc="-150" dirty="0" smtClean="0">
+                <a:solidFill>
+                  <a:schemeClr val="bg1"/>
+                </a:solidFill>
+                <a:latin typeface="나눔명조" pitchFamily="18" charset="-127"/>
+                <a:ea typeface="나눔명조" pitchFamily="18" charset="-127"/>
+              </a:rPr>
+              <a:t>목</a:t>
+            </a:r>
+            <a:r>
+              <a:rPr lang="ko-KR" altLang="en-US" spc="-150" dirty="0" smtClean="0">
+                <a:solidFill>
+                  <a:schemeClr val="bg1"/>
+                </a:solidFill>
+                <a:latin typeface="나눔명조" pitchFamily="18" charset="-127"/>
+                <a:ea typeface="나눔명조" pitchFamily="18" charset="-127"/>
+              </a:rPr>
+              <a:t>차</a:t>
+            </a:r>
+            <a:endParaRPr lang="ko-KR" altLang="en-US" spc="-150" dirty="0">
+              <a:solidFill>
+                <a:schemeClr val="bg1"/>
+              </a:solidFill>
+              <a:latin typeface="나눔명조" pitchFamily="18" charset="-127"/>
+              <a:ea typeface="나눔명조" pitchFamily="18" charset="-127"/>
+            </a:endParaRPr>
           </a:p>
         </p:txBody>
       </p:sp>
@@ -3593,270 +3861,360 @@
           <a:chExt cx="0" cy="0"/>
         </a:xfrm>
       </p:grpSpPr>
-      <p:sp>
-        <p:nvSpPr>
-          <p:cNvPr id="2" name="제목 1"/>
-          <p:cNvSpPr>
-            <a:spLocks noGrp="1"/>
-          </p:cNvSpPr>
-          <p:nvPr>
-            <p:ph type="title"/>
-          </p:nvPr>
-        </p:nvSpPr>
-        <p:spPr/>
-        <p:txBody>
-          <a:bodyPr/>
-          <a:lstStyle/>
-          <a:p>
-            <a:r>
-              <a:rPr lang="ko-KR" altLang="en-US" dirty="0" smtClean="0"/>
-              <a:t>카카오로 </a:t>
-            </a:r>
-            <a:r>
-              <a:rPr lang="en-US" altLang="ko-KR" dirty="0" smtClean="0"/>
-              <a:t>CRUD </a:t>
-            </a:r>
-            <a:r>
-              <a:rPr lang="ko-KR" altLang="en-US" dirty="0" smtClean="0"/>
-              <a:t>실습</a:t>
-            </a:r>
-            <a:endParaRPr lang="ko-KR" altLang="en-US" dirty="0"/>
-          </a:p>
-        </p:txBody>
-      </p:sp>
-      <p:sp>
-        <p:nvSpPr>
-          <p:cNvPr id="3" name="내용 개체 틀 2"/>
-          <p:cNvSpPr>
-            <a:spLocks noGrp="1"/>
-          </p:cNvSpPr>
-          <p:nvPr>
-            <p:ph idx="1"/>
-          </p:nvPr>
-        </p:nvSpPr>
-        <p:spPr/>
-        <p:txBody>
-          <a:bodyPr>
-            <a:normAutofit fontScale="70000" lnSpcReduction="20000"/>
+      <p:pic>
+        <p:nvPicPr>
+          <p:cNvPr id="13" name="Picture 2" descr="ppt template cloudì ëí ì´ë¯¸ì§ ê²ìê²°ê³¼"/>
+          <p:cNvPicPr>
+            <a:picLocks noChangeArrowheads="1"/>
+          </p:cNvPicPr>
+          <p:nvPr/>
+        </p:nvPicPr>
+        <p:blipFill>
+          <a:blip r:embed="rId2" cstate="print">
+            <a:grayscl/>
+            <a:lum bright="-48000" contrast="37000"/>
+          </a:blip>
+          <a:srcRect/>
+          <a:stretch>
+            <a:fillRect/>
+          </a:stretch>
+        </p:blipFill>
+        <p:spPr bwMode="auto">
+          <a:xfrm>
+            <a:off x="0" y="0"/>
+            <a:ext cx="9144000" cy="5143500"/>
+          </a:xfrm>
+          <a:prstGeom prst="rect">
+            <a:avLst/>
+          </a:prstGeom>
+          <a:noFill/>
+        </p:spPr>
+      </p:pic>
+      <p:sp>
+        <p:nvSpPr>
+          <p:cNvPr id="12" name="TextBox 11"/>
+          <p:cNvSpPr txBox="1"/>
+          <p:nvPr/>
+        </p:nvSpPr>
+        <p:spPr>
+          <a:xfrm>
+            <a:off x="1871700" y="483518"/>
+            <a:ext cx="5400600" cy="369332"/>
+          </a:xfrm>
+          <a:prstGeom prst="rect">
+            <a:avLst/>
+          </a:prstGeom>
+          <a:noFill/>
+        </p:spPr>
+        <p:txBody>
+          <a:bodyPr wrap="square" rtlCol="0">
+            <a:spAutoFit/>
           </a:bodyPr>
           <a:lstStyle/>
           <a:p>
-            <a:r>
-              <a:rPr lang="ko-KR" altLang="en-US" sz="2400" dirty="0" smtClean="0"/>
-              <a:t>목표</a:t>
-            </a:r>
-            <a:endParaRPr lang="en-US" altLang="ko-KR" sz="2400" dirty="0" smtClean="0"/>
-          </a:p>
-          <a:p>
-            <a:pPr>
-              <a:buFontTx/>
-              <a:buChar char="-"/>
+            <a:pPr marL="342900" indent="-342900" algn="ctr">
+              <a:buAutoNum type="arabicPeriod"/>
             </a:pPr>
             <a:r>
-              <a:rPr lang="ko-KR" altLang="en-US" sz="2400" dirty="0" smtClean="0"/>
-              <a:t>카카오 화면을 접점으로 </a:t>
-            </a:r>
-            <a:r>
-              <a:rPr lang="en-US" altLang="ko-KR" sz="2400" dirty="0" smtClean="0"/>
-              <a:t>DB</a:t>
-            </a:r>
-            <a:r>
-              <a:rPr lang="ko-KR" altLang="en-US" sz="2400" dirty="0" smtClean="0"/>
-              <a:t>까지 갔다가 돌아오는 </a:t>
-            </a:r>
-            <a:r>
-              <a:rPr lang="en-US" altLang="ko-KR" sz="2400" dirty="0" smtClean="0"/>
-              <a:t>CRUD </a:t>
-            </a:r>
-            <a:r>
-              <a:rPr lang="ko-KR" altLang="en-US" sz="2400" dirty="0" smtClean="0"/>
-              <a:t>작업 </a:t>
-            </a:r>
-            <a:endParaRPr lang="en-US" altLang="ko-KR" sz="2400" dirty="0" smtClean="0"/>
-          </a:p>
-          <a:p>
-            <a:pPr>
-              <a:buFontTx/>
-              <a:buChar char="-"/>
-            </a:pPr>
-            <a:r>
-              <a:rPr lang="ko-KR" altLang="en-US" sz="2400" dirty="0" err="1" smtClean="0"/>
-              <a:t>얻은점</a:t>
-            </a:r>
-            <a:endParaRPr lang="en-US" altLang="ko-KR" sz="2400" dirty="0" smtClean="0"/>
-          </a:p>
-          <a:p>
-            <a:pPr>
-              <a:buFontTx/>
-              <a:buChar char="-"/>
-            </a:pPr>
-            <a:r>
-              <a:rPr lang="en-US" altLang="ko-KR" sz="2400" dirty="0" smtClean="0"/>
-              <a:t>AWS</a:t>
-            </a:r>
-            <a:r>
-              <a:rPr lang="ko-KR" altLang="en-US" sz="2400" dirty="0" smtClean="0"/>
-              <a:t>를 활용해 </a:t>
-            </a:r>
-            <a:r>
-              <a:rPr lang="ko-KR" altLang="en-US" sz="2400" dirty="0" err="1" smtClean="0"/>
-              <a:t>자바웹</a:t>
-            </a:r>
-            <a:r>
-              <a:rPr lang="ko-KR" altLang="en-US" sz="2400" dirty="0" smtClean="0"/>
+              <a:rPr lang="en-US" altLang="ko-KR" spc="-150" dirty="0" smtClean="0">
+                <a:solidFill>
+                  <a:schemeClr val="bg1"/>
+                </a:solidFill>
+                <a:latin typeface="나눔명조" pitchFamily="18" charset="-127"/>
+                <a:ea typeface="나눔명조" pitchFamily="18" charset="-127"/>
+              </a:rPr>
               <a:t> </a:t>
             </a:r>
             <a:r>
-              <a:rPr lang="en-US" altLang="ko-KR" sz="2400" dirty="0" smtClean="0"/>
-              <a:t>deploy </a:t>
-            </a:r>
-            <a:r>
-              <a:rPr lang="ko-KR" altLang="en-US" sz="2400" dirty="0" smtClean="0"/>
-              <a:t>경험</a:t>
-            </a:r>
-            <a:endParaRPr lang="en-US" altLang="ko-KR" sz="2400" dirty="0" smtClean="0"/>
-          </a:p>
-          <a:p>
-            <a:pPr>
-              <a:buFontTx/>
-              <a:buChar char="-"/>
-            </a:pPr>
-            <a:r>
-              <a:rPr lang="ko-KR" altLang="en-US" sz="2400" dirty="0" err="1" smtClean="0"/>
-              <a:t>느낀점</a:t>
-            </a:r>
-            <a:endParaRPr lang="en-US" altLang="ko-KR" sz="2400" dirty="0" smtClean="0"/>
-          </a:p>
-          <a:p>
-            <a:pPr>
-              <a:buFontTx/>
-              <a:buChar char="-"/>
-            </a:pPr>
-            <a:r>
-              <a:rPr lang="ko-KR" altLang="en-US" sz="2400" dirty="0" smtClean="0"/>
-              <a:t>기존의 기술</a:t>
-            </a:r>
-            <a:r>
-              <a:rPr lang="en-US" altLang="ko-KR" sz="2400" dirty="0" smtClean="0"/>
-              <a:t>STACK</a:t>
-            </a:r>
-            <a:r>
-              <a:rPr lang="ko-KR" altLang="en-US" sz="2400" dirty="0" smtClean="0"/>
-              <a:t>인 스프링 </a:t>
-            </a:r>
-            <a:r>
-              <a:rPr lang="en-US" altLang="ko-KR" sz="2400" dirty="0" smtClean="0"/>
-              <a:t>+ RDBMS</a:t>
-            </a:r>
-            <a:r>
-              <a:rPr lang="ko-KR" altLang="en-US" sz="2400" dirty="0" smtClean="0"/>
-              <a:t>로는 부수적인 작업들이 많이 들어간다고 느낌</a:t>
-            </a:r>
-            <a:endParaRPr lang="en-US" altLang="ko-KR" sz="2400" dirty="0" smtClean="0"/>
-          </a:p>
-          <a:p>
-            <a:pPr>
-              <a:buFontTx/>
-              <a:buChar char="-"/>
-            </a:pPr>
-            <a:r>
-              <a:rPr lang="ko-KR" altLang="en-US" sz="2400" dirty="0" smtClean="0"/>
-              <a:t>돌아가는 상태의 템플릿들을 만들어 놔야 되겠다고 느낌</a:t>
-            </a:r>
-            <a:endParaRPr lang="en-US" altLang="ko-KR" sz="2400" dirty="0" smtClean="0"/>
-          </a:p>
-          <a:p>
-            <a:pPr>
-              <a:buFontTx/>
-              <a:buChar char="-"/>
-            </a:pPr>
-            <a:r>
-              <a:rPr lang="en-US" altLang="ko-KR" sz="2400" dirty="0" smtClean="0"/>
-              <a:t>FRONT</a:t>
-            </a:r>
-            <a:r>
-              <a:rPr lang="ko-KR" altLang="en-US" sz="2400" dirty="0" smtClean="0"/>
-              <a:t>가 무엇이냐에 따라 </a:t>
-            </a:r>
-            <a:r>
-              <a:rPr lang="en-US" altLang="ko-KR" sz="2400" dirty="0" smtClean="0"/>
-              <a:t>BACK</a:t>
-            </a:r>
-            <a:r>
-              <a:rPr lang="ko-KR" altLang="en-US" sz="2400" dirty="0" smtClean="0"/>
-              <a:t>단의 설계가 많이 달라짐을 느낌 </a:t>
-            </a:r>
-            <a:r>
-              <a:rPr lang="en-US" altLang="ko-KR" sz="2400" dirty="0" smtClean="0"/>
-              <a:t>– </a:t>
-            </a:r>
-            <a:r>
-              <a:rPr lang="ko-KR" altLang="en-US" sz="2400" dirty="0" smtClean="0"/>
-              <a:t>개인적으로 받을 수 있는 </a:t>
-            </a:r>
-            <a:r>
-              <a:rPr lang="en-US" altLang="ko-KR" sz="2400" dirty="0" smtClean="0"/>
-              <a:t>input </a:t>
-            </a:r>
-            <a:r>
-              <a:rPr lang="ko-KR" altLang="en-US" sz="2400" dirty="0" smtClean="0"/>
-              <a:t>개수가 </a:t>
-            </a:r>
-            <a:r>
-              <a:rPr lang="ko-KR" altLang="en-US" sz="2400" dirty="0" err="1" smtClean="0"/>
-              <a:t>웹화면과</a:t>
-            </a:r>
-            <a:r>
-              <a:rPr lang="ko-KR" altLang="en-US" sz="2400" dirty="0" smtClean="0"/>
-              <a:t> 달리 적어서</a:t>
-            </a:r>
-            <a:r>
-              <a:rPr lang="en-US" altLang="ko-KR" sz="2400" dirty="0" smtClean="0"/>
-              <a:t>, </a:t>
-            </a:r>
-            <a:r>
-              <a:rPr lang="ko-KR" altLang="en-US" sz="2400" dirty="0" smtClean="0"/>
-              <a:t>더 많은 노동이 필요하다는 걸 느낌</a:t>
-            </a:r>
-            <a:r>
-              <a:rPr lang="en-US" altLang="ko-KR" sz="2400" dirty="0" smtClean="0"/>
-              <a:t>.</a:t>
-            </a:r>
-          </a:p>
-          <a:p>
-            <a:pPr>
-              <a:buFontTx/>
-              <a:buChar char="-"/>
-            </a:pPr>
-            <a:r>
-              <a:rPr lang="ko-KR" altLang="en-US" sz="2400" dirty="0" smtClean="0"/>
-              <a:t>하지만 유입이 쉽다는 걸로 모든 걸 커버</a:t>
-            </a:r>
-            <a:r>
-              <a:rPr lang="en-US" altLang="ko-KR" sz="2400" dirty="0" smtClean="0"/>
-              <a:t>, </a:t>
-            </a:r>
-            <a:r>
-              <a:rPr lang="ko-KR" altLang="en-US" sz="2400" dirty="0" smtClean="0"/>
-              <a:t>웹으로 들어가는 입구역할이 가장 좋을 듯</a:t>
-            </a:r>
-            <a:r>
-              <a:rPr lang="en-US" altLang="ko-KR" sz="2400" dirty="0" smtClean="0"/>
-              <a:t>.</a:t>
-            </a:r>
-            <a:r>
-              <a:rPr lang="ko-KR" altLang="en-US" sz="2400" dirty="0" smtClean="0"/>
-              <a:t> </a:t>
-            </a:r>
-            <a:endParaRPr lang="en-US" altLang="ko-KR" sz="2400" dirty="0" smtClean="0"/>
-          </a:p>
-        </p:txBody>
-      </p:sp>
+              <a:rPr lang="ko-KR" altLang="en-US" spc="-150" dirty="0" smtClean="0">
+                <a:solidFill>
+                  <a:schemeClr val="bg1"/>
+                </a:solidFill>
+                <a:latin typeface="나눔명조" pitchFamily="18" charset="-127"/>
+                <a:ea typeface="나눔명조" pitchFamily="18" charset="-127"/>
+              </a:rPr>
+              <a:t>카카오 </a:t>
+            </a:r>
+            <a:r>
+              <a:rPr lang="ko-KR" altLang="en-US" spc="-150" dirty="0" err="1" smtClean="0">
+                <a:solidFill>
+                  <a:schemeClr val="bg1"/>
+                </a:solidFill>
+                <a:latin typeface="나눔명조" pitchFamily="18" charset="-127"/>
+                <a:ea typeface="나눔명조" pitchFamily="18" charset="-127"/>
+              </a:rPr>
+              <a:t>챗봇</a:t>
+            </a:r>
+            <a:r>
+              <a:rPr lang="ko-KR" altLang="en-US" spc="-150" dirty="0" smtClean="0">
+                <a:solidFill>
+                  <a:schemeClr val="bg1"/>
+                </a:solidFill>
+                <a:latin typeface="나눔명조" pitchFamily="18" charset="-127"/>
+                <a:ea typeface="나눔명조" pitchFamily="18" charset="-127"/>
+              </a:rPr>
+              <a:t> 화면으로 </a:t>
+            </a:r>
+            <a:r>
+              <a:rPr lang="en-US" altLang="ko-KR" spc="-150" dirty="0" smtClean="0">
+                <a:solidFill>
+                  <a:schemeClr val="bg1"/>
+                </a:solidFill>
+                <a:latin typeface="나눔명조" pitchFamily="18" charset="-127"/>
+                <a:ea typeface="나눔명조" pitchFamily="18" charset="-127"/>
+              </a:rPr>
+              <a:t>CRUD</a:t>
+            </a:r>
+            <a:r>
+              <a:rPr lang="ko-KR" altLang="en-US" spc="-150" dirty="0" smtClean="0">
+                <a:solidFill>
+                  <a:schemeClr val="bg1"/>
+                </a:solidFill>
+                <a:latin typeface="나눔명조" pitchFamily="18" charset="-127"/>
+                <a:ea typeface="나눔명조" pitchFamily="18" charset="-127"/>
+              </a:rPr>
+              <a:t> 실습</a:t>
+            </a:r>
+            <a:endParaRPr lang="en-US" altLang="ko-KR" spc="-150" dirty="0" smtClean="0">
+              <a:solidFill>
+                <a:schemeClr val="bg1"/>
+              </a:solidFill>
+              <a:latin typeface="나눔명조" pitchFamily="18" charset="-127"/>
+              <a:ea typeface="나눔명조" pitchFamily="18" charset="-127"/>
+            </a:endParaRPr>
+          </a:p>
+        </p:txBody>
+      </p:sp>
+      <p:grpSp>
+        <p:nvGrpSpPr>
+          <p:cNvPr id="10" name="그룹 9"/>
+          <p:cNvGrpSpPr/>
+          <p:nvPr/>
+        </p:nvGrpSpPr>
+        <p:grpSpPr>
+          <a:xfrm>
+            <a:off x="971600" y="771550"/>
+            <a:ext cx="4104456" cy="4299942"/>
+            <a:chOff x="539552" y="339502"/>
+            <a:chExt cx="4803997" cy="4803998"/>
+          </a:xfrm>
+          <a:effectLst>
+            <a:outerShdw blurRad="50800" dist="38100" dir="2700000" algn="tl" rotWithShape="0">
+              <a:prstClr val="black">
+                <a:alpha val="40000"/>
+              </a:prstClr>
+            </a:outerShdw>
+          </a:effectLst>
+        </p:grpSpPr>
+        <p:pic>
+          <p:nvPicPr>
+            <p:cNvPr id="1026" name="Picture 2"/>
+            <p:cNvPicPr>
+              <a:picLocks noChangeAspect="1" noChangeArrowheads="1"/>
+            </p:cNvPicPr>
+            <p:nvPr/>
+          </p:nvPicPr>
+          <p:blipFill>
+            <a:blip r:embed="rId3" cstate="print">
+              <a:clrChange>
+                <a:clrFrom>
+                  <a:srgbClr val="FFFFFF"/>
+                </a:clrFrom>
+                <a:clrTo>
+                  <a:srgbClr val="FFFFFF">
+                    <a:alpha val="0"/>
+                  </a:srgbClr>
+                </a:clrTo>
+              </a:clrChange>
+            </a:blip>
+            <a:srcRect r="64198" b="943"/>
+            <a:stretch>
+              <a:fillRect/>
+            </a:stretch>
+          </p:blipFill>
+          <p:spPr bwMode="auto">
+            <a:xfrm>
+              <a:off x="1966364" y="1163554"/>
+              <a:ext cx="1944216" cy="3193182"/>
+            </a:xfrm>
+            <a:prstGeom prst="rect">
+              <a:avLst/>
+            </a:prstGeom>
+            <a:ln w="38100" cap="sq">
+              <a:solidFill>
+                <a:srgbClr val="000000"/>
+              </a:solidFill>
+              <a:prstDash val="solid"/>
+              <a:miter lim="800000"/>
+            </a:ln>
+            <a:effectLst>
+              <a:outerShdw blurRad="50800" dist="38100" dir="2700000" algn="tl" rotWithShape="0">
+                <a:srgbClr val="000000">
+                  <a:alpha val="43000"/>
+                </a:srgbClr>
+              </a:outerShdw>
+            </a:effectLst>
+          </p:spPr>
+        </p:pic>
+        <p:pic>
+          <p:nvPicPr>
+            <p:cNvPr id="1028" name="Picture 4" descr="phone pngì ëí ì´ë¯¸ì§ ê²ìê²°ê³¼"/>
+            <p:cNvPicPr>
+              <a:picLocks noChangeAspect="1" noChangeArrowheads="1"/>
+            </p:cNvPicPr>
+            <p:nvPr/>
+          </p:nvPicPr>
+          <p:blipFill>
+            <a:blip r:embed="rId4" cstate="print">
+              <a:clrChange>
+                <a:clrFrom>
+                  <a:srgbClr val="FFFFFF"/>
+                </a:clrFrom>
+                <a:clrTo>
+                  <a:srgbClr val="FFFFFF">
+                    <a:alpha val="0"/>
+                  </a:srgbClr>
+                </a:clrTo>
+              </a:clrChange>
+            </a:blip>
+            <a:srcRect/>
+            <a:stretch>
+              <a:fillRect/>
+            </a:stretch>
+          </p:blipFill>
+          <p:spPr bwMode="auto">
+            <a:xfrm>
+              <a:off x="539552" y="339502"/>
+              <a:ext cx="4803997" cy="4803998"/>
+            </a:xfrm>
+            <a:prstGeom prst="rect">
+              <a:avLst/>
+            </a:prstGeom>
+            <a:noFill/>
+          </p:spPr>
+        </p:pic>
+      </p:grpSp>
+      <p:grpSp>
+        <p:nvGrpSpPr>
+          <p:cNvPr id="11" name="그룹 10"/>
+          <p:cNvGrpSpPr/>
+          <p:nvPr/>
+        </p:nvGrpSpPr>
+        <p:grpSpPr>
+          <a:xfrm>
+            <a:off x="4009790" y="757695"/>
+            <a:ext cx="4213838" cy="4371951"/>
+            <a:chOff x="3851920" y="771550"/>
+            <a:chExt cx="4320480" cy="4320481"/>
+          </a:xfrm>
+          <a:effectLst>
+            <a:outerShdw blurRad="50800" dist="38100" dir="2700000" algn="tl" rotWithShape="0">
+              <a:prstClr val="black">
+                <a:alpha val="40000"/>
+              </a:prstClr>
+            </a:outerShdw>
+          </a:effectLst>
+        </p:grpSpPr>
+        <p:pic>
+          <p:nvPicPr>
+            <p:cNvPr id="6" name="Picture 2"/>
+            <p:cNvPicPr>
+              <a:picLocks noChangeAspect="1" noChangeArrowheads="1"/>
+            </p:cNvPicPr>
+            <p:nvPr/>
+          </p:nvPicPr>
+          <p:blipFill>
+            <a:blip r:embed="rId3" cstate="print">
+              <a:clrChange>
+                <a:clrFrom>
+                  <a:srgbClr val="FFFFFF"/>
+                </a:clrFrom>
+                <a:clrTo>
+                  <a:srgbClr val="FFFFFF">
+                    <a:alpha val="0"/>
+                  </a:srgbClr>
+                </a:clrTo>
+              </a:clrChange>
+            </a:blip>
+            <a:srcRect l="62963" b="943"/>
+            <a:stretch>
+              <a:fillRect/>
+            </a:stretch>
+          </p:blipFill>
+          <p:spPr bwMode="auto">
+            <a:xfrm>
+              <a:off x="5127283" y="1542857"/>
+              <a:ext cx="1728192" cy="2765107"/>
+            </a:xfrm>
+            <a:prstGeom prst="rect">
+              <a:avLst/>
+            </a:prstGeom>
+            <a:ln w="38100" cap="sq">
+              <a:solidFill>
+                <a:srgbClr val="000000"/>
+              </a:solidFill>
+              <a:prstDash val="solid"/>
+              <a:miter lim="800000"/>
+            </a:ln>
+            <a:effectLst>
+              <a:outerShdw blurRad="50800" dist="38100" dir="2700000" algn="tl" rotWithShape="0">
+                <a:srgbClr val="000000">
+                  <a:alpha val="43000"/>
+                </a:srgbClr>
+              </a:outerShdw>
+            </a:effectLst>
+          </p:spPr>
+        </p:pic>
+        <p:pic>
+          <p:nvPicPr>
+            <p:cNvPr id="1030" name="Picture 6" descr="phone pngì ëí ì´ë¯¸ì§ ê²ìê²°ê³¼"/>
+            <p:cNvPicPr>
+              <a:picLocks noChangeAspect="1" noChangeArrowheads="1"/>
+            </p:cNvPicPr>
+            <p:nvPr/>
+          </p:nvPicPr>
+          <p:blipFill>
+            <a:blip r:embed="rId4" cstate="print">
+              <a:clrChange>
+                <a:clrFrom>
+                  <a:srgbClr val="FFFFFF"/>
+                </a:clrFrom>
+                <a:clrTo>
+                  <a:srgbClr val="FFFFFF">
+                    <a:alpha val="0"/>
+                  </a:srgbClr>
+                </a:clrTo>
+              </a:clrChange>
+            </a:blip>
+            <a:srcRect/>
+            <a:stretch>
+              <a:fillRect/>
+            </a:stretch>
+          </p:blipFill>
+          <p:spPr bwMode="auto">
+            <a:xfrm>
+              <a:off x="3851920" y="771550"/>
+              <a:ext cx="4320480" cy="4320481"/>
+            </a:xfrm>
+            <a:prstGeom prst="rect">
+              <a:avLst/>
+            </a:prstGeom>
+            <a:noFill/>
+          </p:spPr>
+        </p:pic>
+      </p:grpSp>
     </p:spTree>
   </p:cSld>
   <p:clrMapOvr>
     <a:masterClrMapping/>
   </p:clrMapOvr>
+  <p:timing>
+    <p:tnLst>
+      <p:par>
+        <p:cTn id="1" dur="indefinite" restart="never" nodeType="tmRoot"/>
+      </p:par>
+    </p:tnLst>
+  </p:timing>
 </p:sld>
 </file>
 
@@ -3877,208 +4235,565 @@
           <a:chExt cx="0" cy="0"/>
         </a:xfrm>
       </p:grpSpPr>
-      <p:sp>
-        <p:nvSpPr>
-          <p:cNvPr id="2" name="제목 1"/>
-          <p:cNvSpPr>
-            <a:spLocks noGrp="1"/>
-          </p:cNvSpPr>
-          <p:nvPr>
-            <p:ph type="title"/>
-          </p:nvPr>
-        </p:nvSpPr>
-        <p:spPr/>
-        <p:txBody>
-          <a:bodyPr/>
-          <a:lstStyle/>
-          <a:p>
-            <a:r>
-              <a:rPr lang="en-US" altLang="ko-KR" dirty="0" smtClean="0"/>
-              <a:t>2. </a:t>
-            </a:r>
-            <a:r>
-              <a:rPr lang="en-US" altLang="ko-KR" dirty="0" err="1" smtClean="0"/>
-              <a:t>git</a:t>
-            </a:r>
-            <a:r>
-              <a:rPr lang="en-US" altLang="ko-KR" dirty="0" smtClean="0"/>
-              <a:t>-imager</a:t>
-            </a:r>
-            <a:endParaRPr lang="ko-KR" altLang="en-US" dirty="0"/>
-          </a:p>
-        </p:txBody>
-      </p:sp>
-      <p:sp>
-        <p:nvSpPr>
-          <p:cNvPr id="3" name="내용 개체 틀 2"/>
-          <p:cNvSpPr>
-            <a:spLocks noGrp="1"/>
-          </p:cNvSpPr>
-          <p:nvPr>
-            <p:ph idx="1"/>
-          </p:nvPr>
-        </p:nvSpPr>
-        <p:spPr/>
-        <p:txBody>
-          <a:bodyPr>
-            <a:normAutofit fontScale="70000" lnSpcReduction="20000"/>
+      <p:pic>
+        <p:nvPicPr>
+          <p:cNvPr id="13" name="Picture 2" descr="ppt template cloudì ëí ì´ë¯¸ì§ ê²ìê²°ê³¼"/>
+          <p:cNvPicPr>
+            <a:picLocks noChangeArrowheads="1"/>
+          </p:cNvPicPr>
+          <p:nvPr/>
+        </p:nvPicPr>
+        <p:blipFill>
+          <a:blip r:embed="rId2" cstate="print">
+            <a:grayscl/>
+            <a:lum bright="-48000" contrast="37000"/>
+          </a:blip>
+          <a:srcRect/>
+          <a:stretch>
+            <a:fillRect/>
+          </a:stretch>
+        </p:blipFill>
+        <p:spPr bwMode="auto">
+          <a:xfrm>
+            <a:off x="0" y="0"/>
+            <a:ext cx="9144000" cy="5143500"/>
+          </a:xfrm>
+          <a:prstGeom prst="rect">
+            <a:avLst/>
+          </a:prstGeom>
+          <a:noFill/>
+        </p:spPr>
+      </p:pic>
+      <p:sp>
+        <p:nvSpPr>
+          <p:cNvPr id="12" name="TextBox 11"/>
+          <p:cNvSpPr txBox="1"/>
+          <p:nvPr/>
+        </p:nvSpPr>
+        <p:spPr>
+          <a:xfrm>
+            <a:off x="1871700" y="483518"/>
+            <a:ext cx="5400600" cy="369332"/>
+          </a:xfrm>
+          <a:prstGeom prst="rect">
+            <a:avLst/>
+          </a:prstGeom>
+          <a:noFill/>
+        </p:spPr>
+        <p:txBody>
+          <a:bodyPr wrap="square" rtlCol="0">
+            <a:spAutoFit/>
           </a:bodyPr>
           <a:lstStyle/>
           <a:p>
-            <a:r>
-              <a:rPr lang="ko-KR" altLang="en-US" dirty="0" smtClean="0"/>
-              <a:t>목표</a:t>
-            </a:r>
-            <a:endParaRPr lang="en-US" altLang="ko-KR" dirty="0" smtClean="0"/>
-          </a:p>
-          <a:p>
-            <a:pPr>
-              <a:buFontTx/>
-              <a:buChar char="-"/>
-            </a:pPr>
-            <a:r>
-              <a:rPr lang="en-US" altLang="ko-KR" dirty="0" err="1" smtClean="0"/>
-              <a:t>Img</a:t>
-            </a:r>
-            <a:r>
-              <a:rPr lang="ko-KR" altLang="en-US" dirty="0" smtClean="0"/>
-              <a:t>나 </a:t>
-            </a:r>
-            <a:r>
-              <a:rPr lang="en-US" altLang="ko-KR" dirty="0" smtClean="0"/>
-              <a:t>gif</a:t>
-            </a:r>
-            <a:r>
-              <a:rPr lang="ko-KR" altLang="en-US" dirty="0" smtClean="0"/>
-              <a:t>가 들어간 </a:t>
-            </a:r>
-            <a:r>
-              <a:rPr lang="en-US" altLang="ko-KR" dirty="0" smtClean="0"/>
-              <a:t>html</a:t>
-            </a:r>
-            <a:r>
-              <a:rPr lang="ko-KR" altLang="en-US" dirty="0" smtClean="0"/>
-              <a:t>을 만들때 깔끔한 </a:t>
-            </a:r>
-            <a:r>
-              <a:rPr lang="en-US" altLang="ko-KR" dirty="0" err="1" smtClean="0"/>
-              <a:t>url</a:t>
-            </a:r>
-            <a:r>
-              <a:rPr lang="ko-KR" altLang="en-US" dirty="0" smtClean="0"/>
-              <a:t>을 만들기 위해서는 파일을 저장하고 주소를 따는 일련의 작업이 필요</a:t>
-            </a:r>
-            <a:r>
-              <a:rPr lang="en-US" altLang="ko-KR" dirty="0" smtClean="0"/>
-              <a:t>. </a:t>
-            </a:r>
-            <a:endParaRPr lang="en-US" altLang="ko-KR" dirty="0"/>
-          </a:p>
-          <a:p>
-            <a:pPr>
-              <a:buFontTx/>
-              <a:buChar char="-"/>
-            </a:pPr>
-            <a:r>
-              <a:rPr lang="ko-KR" altLang="en-US" dirty="0" smtClean="0"/>
-              <a:t>무료 저장소를 이용한 쉬운 방법이 없을 까 생각하다 </a:t>
-            </a:r>
-            <a:r>
-              <a:rPr lang="en-US" altLang="ko-KR" dirty="0" err="1" smtClean="0"/>
-              <a:t>git</a:t>
-            </a:r>
-            <a:r>
-              <a:rPr lang="en-US" altLang="ko-KR" dirty="0" smtClean="0"/>
-              <a:t>-hub</a:t>
-            </a:r>
-            <a:r>
-              <a:rPr lang="ko-KR" altLang="en-US" dirty="0" smtClean="0"/>
-              <a:t>을 이용해 </a:t>
-            </a:r>
-            <a:r>
-              <a:rPr lang="en-US" altLang="ko-KR" dirty="0" err="1" smtClean="0"/>
-              <a:t>url</a:t>
-            </a:r>
-            <a:r>
-              <a:rPr lang="ko-KR" altLang="en-US" dirty="0" smtClean="0"/>
-              <a:t>을 생성하는 모듈 고안</a:t>
-            </a:r>
-            <a:endParaRPr lang="en-US" altLang="ko-KR" dirty="0" smtClean="0"/>
-          </a:p>
-          <a:p>
-            <a:pPr>
-              <a:buFontTx/>
-              <a:buChar char="-"/>
-            </a:pPr>
-            <a:r>
-              <a:rPr lang="ko-KR" altLang="en-US" dirty="0" err="1" smtClean="0"/>
-              <a:t>얻은점</a:t>
-            </a:r>
-            <a:r>
-              <a:rPr lang="ko-KR" altLang="en-US" dirty="0" smtClean="0"/>
-              <a:t> </a:t>
-            </a:r>
-            <a:r>
-              <a:rPr lang="en-US" altLang="ko-KR" dirty="0" smtClean="0"/>
-              <a:t>: public</a:t>
-            </a:r>
-            <a:r>
-              <a:rPr lang="ko-KR" altLang="en-US" dirty="0" smtClean="0"/>
-              <a:t>하게 쓸 수 있는 모듈로</a:t>
-            </a:r>
-            <a:r>
-              <a:rPr lang="en-US" altLang="ko-KR" dirty="0" smtClean="0"/>
-              <a:t>, </a:t>
-            </a:r>
-            <a:r>
-              <a:rPr lang="ko-KR" altLang="en-US" dirty="0" smtClean="0"/>
-              <a:t>공헌해보는 경험</a:t>
-            </a:r>
-            <a:r>
-              <a:rPr lang="en-US" altLang="ko-KR" dirty="0" smtClean="0"/>
-              <a:t>. </a:t>
-            </a:r>
-            <a:endParaRPr lang="en-US" altLang="ko-KR" dirty="0"/>
-          </a:p>
-          <a:p>
-            <a:pPr>
-              <a:buFontTx/>
-              <a:buChar char="-"/>
-            </a:pPr>
-            <a:r>
-              <a:rPr lang="en-US" altLang="ko-KR" dirty="0" err="1" smtClean="0"/>
-              <a:t>Javascript</a:t>
-            </a:r>
-            <a:r>
-              <a:rPr lang="en-US" altLang="ko-KR" dirty="0" smtClean="0"/>
-              <a:t> </a:t>
-            </a:r>
-            <a:r>
-              <a:rPr lang="ko-KR" altLang="en-US" dirty="0" smtClean="0"/>
-              <a:t>기반으로 웹을 짤 때 디자인 패턴이 확연히 다름을 느낌</a:t>
-            </a:r>
-            <a:r>
-              <a:rPr lang="en-US" altLang="ko-KR" dirty="0" smtClean="0"/>
-              <a:t>.</a:t>
-            </a:r>
-          </a:p>
-          <a:p>
-            <a:pPr>
-              <a:buFontTx/>
-              <a:buChar char="-"/>
-            </a:pPr>
-            <a:endParaRPr lang="en-US" altLang="ko-KR" dirty="0" smtClean="0"/>
-          </a:p>
-          <a:p>
-            <a:endParaRPr lang="ko-KR" altLang="en-US" dirty="0"/>
-          </a:p>
-        </p:txBody>
-      </p:sp>
+            <a:pPr marL="342900" indent="-342900" algn="ctr"/>
+            <a:r>
+              <a:rPr lang="ko-KR" altLang="en-US" spc="-150" dirty="0" smtClean="0">
+                <a:solidFill>
+                  <a:schemeClr val="bg1"/>
+                </a:solidFill>
+                <a:latin typeface="나눔명조" pitchFamily="18" charset="-127"/>
+                <a:ea typeface="나눔명조" pitchFamily="18" charset="-127"/>
+              </a:rPr>
+              <a:t>구성</a:t>
+            </a:r>
+            <a:endParaRPr lang="en-US" altLang="ko-KR" spc="-150" dirty="0" smtClean="0">
+              <a:solidFill>
+                <a:schemeClr val="bg1"/>
+              </a:solidFill>
+              <a:latin typeface="나눔명조" pitchFamily="18" charset="-127"/>
+              <a:ea typeface="나눔명조" pitchFamily="18" charset="-127"/>
+            </a:endParaRPr>
+          </a:p>
+        </p:txBody>
+      </p:sp>
+      <p:sp>
+        <p:nvSpPr>
+          <p:cNvPr id="10" name="정육면체 9"/>
+          <p:cNvSpPr/>
+          <p:nvPr/>
+        </p:nvSpPr>
+        <p:spPr>
+          <a:xfrm>
+            <a:off x="1547664" y="3219822"/>
+            <a:ext cx="2736304" cy="1152128"/>
+          </a:xfrm>
+          <a:prstGeom prst="cube">
+            <a:avLst>
+              <a:gd name="adj" fmla="val 65893"/>
+            </a:avLst>
+          </a:prstGeom>
+          <a:solidFill>
+            <a:schemeClr val="accent6">
+              <a:lumMod val="75000"/>
+            </a:schemeClr>
+          </a:solidFill>
+          <a:ln>
+            <a:noFill/>
+          </a:ln>
+        </p:spPr>
+        <p:style>
+          <a:lnRef idx="2">
+            <a:schemeClr val="accent1">
+              <a:shade val="50000"/>
+            </a:schemeClr>
+          </a:lnRef>
+          <a:fillRef idx="1">
+            <a:schemeClr val="accent1"/>
+          </a:fillRef>
+          <a:effectRef idx="0">
+            <a:schemeClr val="accent1"/>
+          </a:effectRef>
+          <a:fontRef idx="minor">
+            <a:schemeClr val="lt1"/>
+          </a:fontRef>
+        </p:style>
+        <p:txBody>
+          <a:bodyPr rtlCol="0" anchor="ctr"/>
+          <a:lstStyle/>
+          <a:p>
+            <a:pPr algn="ctr"/>
+            <a:r>
+              <a:rPr lang="en-US" altLang="ko-KR" dirty="0" smtClean="0">
+                <a:latin typeface="나눔명조" pitchFamily="18" charset="-127"/>
+                <a:ea typeface="나눔명조" pitchFamily="18" charset="-127"/>
+              </a:rPr>
+              <a:t>EC2</a:t>
+            </a:r>
+            <a:endParaRPr lang="ko-KR" altLang="en-US" dirty="0">
+              <a:latin typeface="나눔명조" pitchFamily="18" charset="-127"/>
+              <a:ea typeface="나눔명조" pitchFamily="18" charset="-127"/>
+            </a:endParaRPr>
+          </a:p>
+        </p:txBody>
+      </p:sp>
+      <p:sp>
+        <p:nvSpPr>
+          <p:cNvPr id="11" name="정육면체 10"/>
+          <p:cNvSpPr/>
+          <p:nvPr/>
+        </p:nvSpPr>
+        <p:spPr>
+          <a:xfrm>
+            <a:off x="1867660" y="3003798"/>
+            <a:ext cx="2151856" cy="872480"/>
+          </a:xfrm>
+          <a:prstGeom prst="cube">
+            <a:avLst>
+              <a:gd name="adj" fmla="val 65893"/>
+            </a:avLst>
+          </a:prstGeom>
+          <a:solidFill>
+            <a:schemeClr val="tx1"/>
+          </a:solidFill>
+          <a:ln>
+            <a:noFill/>
+          </a:ln>
+        </p:spPr>
+        <p:style>
+          <a:lnRef idx="2">
+            <a:schemeClr val="accent1">
+              <a:shade val="50000"/>
+            </a:schemeClr>
+          </a:lnRef>
+          <a:fillRef idx="1">
+            <a:schemeClr val="accent1"/>
+          </a:fillRef>
+          <a:effectRef idx="0">
+            <a:schemeClr val="accent1"/>
+          </a:effectRef>
+          <a:fontRef idx="minor">
+            <a:schemeClr val="lt1"/>
+          </a:fontRef>
+        </p:style>
+        <p:txBody>
+          <a:bodyPr rtlCol="0" anchor="ctr"/>
+          <a:lstStyle/>
+          <a:p>
+            <a:pPr algn="ctr"/>
+            <a:r>
+              <a:rPr lang="en-US" altLang="ko-KR" dirty="0" smtClean="0">
+                <a:latin typeface="나눔명조" pitchFamily="18" charset="-127"/>
+                <a:ea typeface="나눔명조" pitchFamily="18" charset="-127"/>
+              </a:rPr>
+              <a:t>TOMCAT</a:t>
+            </a:r>
+            <a:endParaRPr lang="ko-KR" altLang="en-US" dirty="0">
+              <a:latin typeface="나눔명조" pitchFamily="18" charset="-127"/>
+              <a:ea typeface="나눔명조" pitchFamily="18" charset="-127"/>
+            </a:endParaRPr>
+          </a:p>
+        </p:txBody>
+      </p:sp>
+      <p:sp>
+        <p:nvSpPr>
+          <p:cNvPr id="14" name="정육면체 13"/>
+          <p:cNvSpPr/>
+          <p:nvPr/>
+        </p:nvSpPr>
+        <p:spPr>
+          <a:xfrm>
+            <a:off x="2056988" y="2859782"/>
+            <a:ext cx="1800200" cy="648072"/>
+          </a:xfrm>
+          <a:prstGeom prst="cube">
+            <a:avLst>
+              <a:gd name="adj" fmla="val 65893"/>
+            </a:avLst>
+          </a:prstGeom>
+          <a:solidFill>
+            <a:schemeClr val="accent3">
+              <a:lumMod val="75000"/>
+            </a:schemeClr>
+          </a:solidFill>
+          <a:ln>
+            <a:noFill/>
+          </a:ln>
+        </p:spPr>
+        <p:style>
+          <a:lnRef idx="2">
+            <a:schemeClr val="accent1">
+              <a:shade val="50000"/>
+            </a:schemeClr>
+          </a:lnRef>
+          <a:fillRef idx="1">
+            <a:schemeClr val="accent1"/>
+          </a:fillRef>
+          <a:effectRef idx="0">
+            <a:schemeClr val="accent1"/>
+          </a:effectRef>
+          <a:fontRef idx="minor">
+            <a:schemeClr val="lt1"/>
+          </a:fontRef>
+        </p:style>
+        <p:txBody>
+          <a:bodyPr rtlCol="0" anchor="ctr"/>
+          <a:lstStyle/>
+          <a:p>
+            <a:pPr algn="ctr"/>
+            <a:r>
+              <a:rPr lang="en-US" altLang="ko-KR" dirty="0" smtClean="0">
+                <a:latin typeface="나눔명조" pitchFamily="18" charset="-127"/>
+                <a:ea typeface="나눔명조" pitchFamily="18" charset="-127"/>
+              </a:rPr>
+              <a:t>SPRING</a:t>
+            </a:r>
+            <a:endParaRPr lang="ko-KR" altLang="en-US" dirty="0">
+              <a:latin typeface="나눔명조" pitchFamily="18" charset="-127"/>
+              <a:ea typeface="나눔명조" pitchFamily="18" charset="-127"/>
+            </a:endParaRPr>
+          </a:p>
+        </p:txBody>
+      </p:sp>
+      <p:cxnSp>
+        <p:nvCxnSpPr>
+          <p:cNvPr id="21" name="직선 연결선 20"/>
+          <p:cNvCxnSpPr>
+            <a:stCxn id="14" idx="0"/>
+          </p:cNvCxnSpPr>
+          <p:nvPr/>
+        </p:nvCxnSpPr>
+        <p:spPr>
+          <a:xfrm flipV="1">
+            <a:off x="3170605" y="1995686"/>
+            <a:ext cx="1041355" cy="864096"/>
+          </a:xfrm>
+          <a:prstGeom prst="line">
+            <a:avLst/>
+          </a:prstGeom>
+          <a:ln w="12700">
+            <a:solidFill>
+              <a:schemeClr val="bg1"/>
+            </a:solidFill>
+          </a:ln>
+        </p:spPr>
+        <p:style>
+          <a:lnRef idx="1">
+            <a:schemeClr val="accent1"/>
+          </a:lnRef>
+          <a:fillRef idx="0">
+            <a:schemeClr val="accent1"/>
+          </a:fillRef>
+          <a:effectRef idx="0">
+            <a:schemeClr val="accent1"/>
+          </a:effectRef>
+          <a:fontRef idx="minor">
+            <a:schemeClr val="tx1"/>
+          </a:fontRef>
+        </p:style>
+      </p:cxnSp>
+      <p:cxnSp>
+        <p:nvCxnSpPr>
+          <p:cNvPr id="24" name="직선 연결선 23"/>
+          <p:cNvCxnSpPr/>
+          <p:nvPr/>
+        </p:nvCxnSpPr>
+        <p:spPr>
+          <a:xfrm>
+            <a:off x="3779912" y="3939902"/>
+            <a:ext cx="1224136" cy="0"/>
+          </a:xfrm>
+          <a:prstGeom prst="line">
+            <a:avLst/>
+          </a:prstGeom>
+          <a:ln w="12700">
+            <a:solidFill>
+              <a:schemeClr val="bg1"/>
+            </a:solidFill>
+          </a:ln>
+        </p:spPr>
+        <p:style>
+          <a:lnRef idx="1">
+            <a:schemeClr val="accent1"/>
+          </a:lnRef>
+          <a:fillRef idx="0">
+            <a:schemeClr val="accent1"/>
+          </a:fillRef>
+          <a:effectRef idx="0">
+            <a:schemeClr val="accent1"/>
+          </a:effectRef>
+          <a:fontRef idx="minor">
+            <a:schemeClr val="tx1"/>
+          </a:fontRef>
+        </p:style>
+      </p:cxnSp>
+      <p:sp>
+        <p:nvSpPr>
+          <p:cNvPr id="15" name="정육면체 14"/>
+          <p:cNvSpPr/>
+          <p:nvPr/>
+        </p:nvSpPr>
+        <p:spPr>
+          <a:xfrm>
+            <a:off x="4860032" y="3219822"/>
+            <a:ext cx="2736304" cy="1152128"/>
+          </a:xfrm>
+          <a:prstGeom prst="cube">
+            <a:avLst>
+              <a:gd name="adj" fmla="val 65893"/>
+            </a:avLst>
+          </a:prstGeom>
+          <a:solidFill>
+            <a:srgbClr val="0777F3"/>
+          </a:solidFill>
+          <a:ln>
+            <a:noFill/>
+          </a:ln>
+        </p:spPr>
+        <p:style>
+          <a:lnRef idx="2">
+            <a:schemeClr val="accent1">
+              <a:shade val="50000"/>
+            </a:schemeClr>
+          </a:lnRef>
+          <a:fillRef idx="1">
+            <a:schemeClr val="accent1"/>
+          </a:fillRef>
+          <a:effectRef idx="0">
+            <a:schemeClr val="accent1"/>
+          </a:effectRef>
+          <a:fontRef idx="minor">
+            <a:schemeClr val="lt1"/>
+          </a:fontRef>
+        </p:style>
+        <p:txBody>
+          <a:bodyPr rtlCol="0" anchor="ctr"/>
+          <a:lstStyle/>
+          <a:p>
+            <a:pPr algn="ctr"/>
+            <a:r>
+              <a:rPr lang="en-US" altLang="ko-KR" dirty="0" smtClean="0">
+                <a:latin typeface="나눔명조" pitchFamily="18" charset="-127"/>
+                <a:ea typeface="나눔명조" pitchFamily="18" charset="-127"/>
+              </a:rPr>
+              <a:t>RDS</a:t>
+            </a:r>
+            <a:endParaRPr lang="ko-KR" altLang="en-US" dirty="0">
+              <a:latin typeface="나눔명조" pitchFamily="18" charset="-127"/>
+              <a:ea typeface="나눔명조" pitchFamily="18" charset="-127"/>
+            </a:endParaRPr>
+          </a:p>
+        </p:txBody>
+      </p:sp>
+      <p:sp>
+        <p:nvSpPr>
+          <p:cNvPr id="16" name="정육면체 15"/>
+          <p:cNvSpPr/>
+          <p:nvPr/>
+        </p:nvSpPr>
+        <p:spPr>
+          <a:xfrm>
+            <a:off x="5180028" y="3003798"/>
+            <a:ext cx="2151856" cy="872480"/>
+          </a:xfrm>
+          <a:prstGeom prst="cube">
+            <a:avLst>
+              <a:gd name="adj" fmla="val 65893"/>
+            </a:avLst>
+          </a:prstGeom>
+          <a:solidFill>
+            <a:schemeClr val="tx1"/>
+          </a:solidFill>
+          <a:ln>
+            <a:noFill/>
+          </a:ln>
+        </p:spPr>
+        <p:style>
+          <a:lnRef idx="2">
+            <a:schemeClr val="accent1">
+              <a:shade val="50000"/>
+            </a:schemeClr>
+          </a:lnRef>
+          <a:fillRef idx="1">
+            <a:schemeClr val="accent1"/>
+          </a:fillRef>
+          <a:effectRef idx="0">
+            <a:schemeClr val="accent1"/>
+          </a:effectRef>
+          <a:fontRef idx="minor">
+            <a:schemeClr val="lt1"/>
+          </a:fontRef>
+        </p:style>
+        <p:txBody>
+          <a:bodyPr rtlCol="0" anchor="ctr"/>
+          <a:lstStyle/>
+          <a:p>
+            <a:pPr algn="ctr"/>
+            <a:r>
+              <a:rPr lang="en-US" altLang="ko-KR" dirty="0" smtClean="0">
+                <a:latin typeface="나눔명조" pitchFamily="18" charset="-127"/>
+                <a:ea typeface="나눔명조" pitchFamily="18" charset="-127"/>
+              </a:rPr>
+              <a:t>POSTGRES</a:t>
+            </a:r>
+            <a:endParaRPr lang="ko-KR" altLang="en-US" dirty="0">
+              <a:latin typeface="나눔명조" pitchFamily="18" charset="-127"/>
+              <a:ea typeface="나눔명조" pitchFamily="18" charset="-127"/>
+            </a:endParaRPr>
+          </a:p>
+        </p:txBody>
+      </p:sp>
+      <p:grpSp>
+        <p:nvGrpSpPr>
+          <p:cNvPr id="18" name="그룹 17"/>
+          <p:cNvGrpSpPr/>
+          <p:nvPr/>
+        </p:nvGrpSpPr>
+        <p:grpSpPr>
+          <a:xfrm>
+            <a:off x="3671900" y="1059582"/>
+            <a:ext cx="1800200" cy="1656184"/>
+            <a:chOff x="539552" y="339502"/>
+            <a:chExt cx="4803997" cy="4803998"/>
+          </a:xfrm>
+          <a:effectLst>
+            <a:outerShdw blurRad="50800" dist="38100" dir="2700000" algn="tl" rotWithShape="0">
+              <a:prstClr val="black">
+                <a:alpha val="40000"/>
+              </a:prstClr>
+            </a:outerShdw>
+          </a:effectLst>
+        </p:grpSpPr>
+        <p:pic>
+          <p:nvPicPr>
+            <p:cNvPr id="19" name="Picture 2"/>
+            <p:cNvPicPr>
+              <a:picLocks noChangeAspect="1" noChangeArrowheads="1"/>
+            </p:cNvPicPr>
+            <p:nvPr/>
+          </p:nvPicPr>
+          <p:blipFill>
+            <a:blip r:embed="rId3" cstate="print">
+              <a:clrChange>
+                <a:clrFrom>
+                  <a:srgbClr val="FFFFFF"/>
+                </a:clrFrom>
+                <a:clrTo>
+                  <a:srgbClr val="FFFFFF">
+                    <a:alpha val="0"/>
+                  </a:srgbClr>
+                </a:clrTo>
+              </a:clrChange>
+            </a:blip>
+            <a:srcRect r="64198" b="943"/>
+            <a:stretch>
+              <a:fillRect/>
+            </a:stretch>
+          </p:blipFill>
+          <p:spPr bwMode="auto">
+            <a:xfrm>
+              <a:off x="1966364" y="1163554"/>
+              <a:ext cx="1944216" cy="3193182"/>
+            </a:xfrm>
+            <a:prstGeom prst="rect">
+              <a:avLst/>
+            </a:prstGeom>
+            <a:ln w="38100" cap="sq">
+              <a:solidFill>
+                <a:srgbClr val="000000"/>
+              </a:solidFill>
+              <a:prstDash val="solid"/>
+              <a:miter lim="800000"/>
+            </a:ln>
+            <a:effectLst>
+              <a:outerShdw blurRad="50800" dist="38100" dir="2700000" algn="tl" rotWithShape="0">
+                <a:srgbClr val="000000">
+                  <a:alpha val="43000"/>
+                </a:srgbClr>
+              </a:outerShdw>
+            </a:effectLst>
+          </p:spPr>
+        </p:pic>
+        <p:pic>
+          <p:nvPicPr>
+            <p:cNvPr id="20" name="Picture 4" descr="phone pngì ëí ì´ë¯¸ì§ ê²ìê²°ê³¼"/>
+            <p:cNvPicPr>
+              <a:picLocks noChangeAspect="1" noChangeArrowheads="1"/>
+            </p:cNvPicPr>
+            <p:nvPr/>
+          </p:nvPicPr>
+          <p:blipFill>
+            <a:blip r:embed="rId4" cstate="print">
+              <a:clrChange>
+                <a:clrFrom>
+                  <a:srgbClr val="FFFFFF"/>
+                </a:clrFrom>
+                <a:clrTo>
+                  <a:srgbClr val="FFFFFF">
+                    <a:alpha val="0"/>
+                  </a:srgbClr>
+                </a:clrTo>
+              </a:clrChange>
+            </a:blip>
+            <a:srcRect/>
+            <a:stretch>
+              <a:fillRect/>
+            </a:stretch>
+          </p:blipFill>
+          <p:spPr bwMode="auto">
+            <a:xfrm>
+              <a:off x="539552" y="339502"/>
+              <a:ext cx="4803997" cy="4803998"/>
+            </a:xfrm>
+            <a:prstGeom prst="rect">
+              <a:avLst/>
+            </a:prstGeom>
+            <a:noFill/>
+          </p:spPr>
+        </p:pic>
+      </p:grpSp>
     </p:spTree>
   </p:cSld>
   <p:clrMapOvr>
     <a:masterClrMapping/>
   </p:clrMapOvr>
+  <p:timing>
+    <p:tnLst>
+      <p:par>
+        <p:cTn id="1" dur="indefinite" restart="never" nodeType="tmRoot"/>
+      </p:par>
+    </p:tnLst>
+  </p:timing>
 </p:sld>
 </file>
 
@@ -4115,6 +4830,526 @@
           <a:lstStyle/>
           <a:p>
             <a:r>
+              <a:rPr lang="ko-KR" altLang="en-US" dirty="0" smtClean="0"/>
+              <a:t>카카오로 </a:t>
+            </a:r>
+            <a:r>
+              <a:rPr lang="en-US" altLang="ko-KR" dirty="0" smtClean="0"/>
+              <a:t>CRUD </a:t>
+            </a:r>
+            <a:r>
+              <a:rPr lang="ko-KR" altLang="en-US" dirty="0" smtClean="0"/>
+              <a:t>실습</a:t>
+            </a:r>
+            <a:endParaRPr lang="ko-KR" altLang="en-US" dirty="0"/>
+          </a:p>
+        </p:txBody>
+      </p:sp>
+      <p:sp>
+        <p:nvSpPr>
+          <p:cNvPr id="3" name="내용 개체 틀 2"/>
+          <p:cNvSpPr>
+            <a:spLocks noGrp="1"/>
+          </p:cNvSpPr>
+          <p:nvPr>
+            <p:ph idx="1"/>
+          </p:nvPr>
+        </p:nvSpPr>
+        <p:spPr/>
+        <p:txBody>
+          <a:bodyPr>
+            <a:normAutofit fontScale="70000" lnSpcReduction="20000"/>
+          </a:bodyPr>
+          <a:lstStyle/>
+          <a:p>
+            <a:r>
+              <a:rPr lang="ko-KR" altLang="en-US" sz="2400" dirty="0" smtClean="0"/>
+              <a:t>목표</a:t>
+            </a:r>
+            <a:endParaRPr lang="en-US" altLang="ko-KR" sz="2400" dirty="0" smtClean="0"/>
+          </a:p>
+          <a:p>
+            <a:pPr>
+              <a:buFontTx/>
+              <a:buChar char="-"/>
+            </a:pPr>
+            <a:r>
+              <a:rPr lang="ko-KR" altLang="en-US" sz="2400" dirty="0" smtClean="0"/>
+              <a:t>카카오 화면을 접점으로 </a:t>
+            </a:r>
+            <a:r>
+              <a:rPr lang="en-US" altLang="ko-KR" sz="2400" dirty="0" smtClean="0"/>
+              <a:t>DB</a:t>
+            </a:r>
+            <a:r>
+              <a:rPr lang="ko-KR" altLang="en-US" sz="2400" dirty="0" smtClean="0"/>
+              <a:t>까지 갔다가 돌아오는 </a:t>
+            </a:r>
+            <a:r>
+              <a:rPr lang="en-US" altLang="ko-KR" sz="2400" dirty="0" smtClean="0"/>
+              <a:t>CRUD </a:t>
+            </a:r>
+            <a:r>
+              <a:rPr lang="ko-KR" altLang="en-US" sz="2400" dirty="0" smtClean="0"/>
+              <a:t>작업 </a:t>
+            </a:r>
+            <a:endParaRPr lang="en-US" altLang="ko-KR" sz="2400" dirty="0" smtClean="0"/>
+          </a:p>
+          <a:p>
+            <a:pPr>
+              <a:buFontTx/>
+              <a:buChar char="-"/>
+            </a:pPr>
+            <a:r>
+              <a:rPr lang="ko-KR" altLang="en-US" sz="2400" dirty="0" err="1" smtClean="0"/>
+              <a:t>얻은점</a:t>
+            </a:r>
+            <a:endParaRPr lang="en-US" altLang="ko-KR" sz="2400" dirty="0" smtClean="0"/>
+          </a:p>
+          <a:p>
+            <a:pPr>
+              <a:buFontTx/>
+              <a:buChar char="-"/>
+            </a:pPr>
+            <a:r>
+              <a:rPr lang="en-US" altLang="ko-KR" sz="2400" dirty="0" smtClean="0"/>
+              <a:t>AWS</a:t>
+            </a:r>
+            <a:r>
+              <a:rPr lang="ko-KR" altLang="en-US" sz="2400" dirty="0" smtClean="0"/>
+              <a:t>를 활용해 </a:t>
+            </a:r>
+            <a:r>
+              <a:rPr lang="ko-KR" altLang="en-US" sz="2400" dirty="0" err="1" smtClean="0"/>
+              <a:t>자바웹</a:t>
+            </a:r>
+            <a:r>
+              <a:rPr lang="ko-KR" altLang="en-US" sz="2400" dirty="0" smtClean="0"/>
+              <a:t> </a:t>
+            </a:r>
+            <a:r>
+              <a:rPr lang="en-US" altLang="ko-KR" sz="2400" dirty="0" smtClean="0"/>
+              <a:t>deploy </a:t>
+            </a:r>
+            <a:r>
+              <a:rPr lang="ko-KR" altLang="en-US" sz="2400" dirty="0" smtClean="0"/>
+              <a:t>경험</a:t>
+            </a:r>
+            <a:endParaRPr lang="en-US" altLang="ko-KR" sz="2400" dirty="0" smtClean="0"/>
+          </a:p>
+          <a:p>
+            <a:pPr>
+              <a:buFontTx/>
+              <a:buChar char="-"/>
+            </a:pPr>
+            <a:r>
+              <a:rPr lang="ko-KR" altLang="en-US" sz="2400" dirty="0" err="1" smtClean="0"/>
+              <a:t>느낀점</a:t>
+            </a:r>
+            <a:endParaRPr lang="en-US" altLang="ko-KR" sz="2400" dirty="0" smtClean="0"/>
+          </a:p>
+          <a:p>
+            <a:pPr>
+              <a:buFontTx/>
+              <a:buChar char="-"/>
+            </a:pPr>
+            <a:r>
+              <a:rPr lang="ko-KR" altLang="en-US" sz="2400" dirty="0" smtClean="0"/>
+              <a:t>기존의 기술</a:t>
+            </a:r>
+            <a:r>
+              <a:rPr lang="en-US" altLang="ko-KR" sz="2400" dirty="0" smtClean="0"/>
+              <a:t>STACK</a:t>
+            </a:r>
+            <a:r>
+              <a:rPr lang="ko-KR" altLang="en-US" sz="2400" dirty="0" smtClean="0"/>
+              <a:t>인 스프링 </a:t>
+            </a:r>
+            <a:r>
+              <a:rPr lang="en-US" altLang="ko-KR" sz="2400" dirty="0" smtClean="0"/>
+              <a:t>+ RDBMS</a:t>
+            </a:r>
+            <a:r>
+              <a:rPr lang="ko-KR" altLang="en-US" sz="2400" dirty="0" smtClean="0"/>
+              <a:t>로는 부수적인 작업들이 많이 들어간다고 느낌</a:t>
+            </a:r>
+            <a:endParaRPr lang="en-US" altLang="ko-KR" sz="2400" dirty="0" smtClean="0"/>
+          </a:p>
+          <a:p>
+            <a:pPr>
+              <a:buFontTx/>
+              <a:buChar char="-"/>
+            </a:pPr>
+            <a:r>
+              <a:rPr lang="ko-KR" altLang="en-US" sz="2400" dirty="0" smtClean="0"/>
+              <a:t>돌아가는 상태의 템플릿들을 만들어 놔야 되겠다고 느낌</a:t>
+            </a:r>
+            <a:endParaRPr lang="en-US" altLang="ko-KR" sz="2400" dirty="0" smtClean="0"/>
+          </a:p>
+          <a:p>
+            <a:pPr>
+              <a:buFontTx/>
+              <a:buChar char="-"/>
+            </a:pPr>
+            <a:r>
+              <a:rPr lang="en-US" altLang="ko-KR" sz="2400" dirty="0" smtClean="0"/>
+              <a:t>FRONT</a:t>
+            </a:r>
+            <a:r>
+              <a:rPr lang="ko-KR" altLang="en-US" sz="2400" dirty="0" smtClean="0"/>
+              <a:t>가 무엇이냐에 따라 </a:t>
+            </a:r>
+            <a:r>
+              <a:rPr lang="en-US" altLang="ko-KR" sz="2400" dirty="0" smtClean="0"/>
+              <a:t>BACK</a:t>
+            </a:r>
+            <a:r>
+              <a:rPr lang="ko-KR" altLang="en-US" sz="2400" dirty="0" smtClean="0"/>
+              <a:t>단의 설계가 많이 달라짐을 느낌 </a:t>
+            </a:r>
+            <a:r>
+              <a:rPr lang="en-US" altLang="ko-KR" sz="2400" dirty="0" smtClean="0"/>
+              <a:t>– </a:t>
+            </a:r>
+            <a:r>
+              <a:rPr lang="ko-KR" altLang="en-US" sz="2400" dirty="0" smtClean="0"/>
+              <a:t>개인적으로 받을 수 있는 </a:t>
+            </a:r>
+            <a:r>
+              <a:rPr lang="en-US" altLang="ko-KR" sz="2400" dirty="0" smtClean="0"/>
+              <a:t>input </a:t>
+            </a:r>
+            <a:r>
+              <a:rPr lang="ko-KR" altLang="en-US" sz="2400" dirty="0" smtClean="0"/>
+              <a:t>개수가 </a:t>
+            </a:r>
+            <a:r>
+              <a:rPr lang="ko-KR" altLang="en-US" sz="2400" dirty="0" err="1" smtClean="0"/>
+              <a:t>웹화면과</a:t>
+            </a:r>
+            <a:r>
+              <a:rPr lang="ko-KR" altLang="en-US" sz="2400" dirty="0" smtClean="0"/>
+              <a:t> 달리 적어서</a:t>
+            </a:r>
+            <a:r>
+              <a:rPr lang="en-US" altLang="ko-KR" sz="2400" dirty="0" smtClean="0"/>
+              <a:t>, </a:t>
+            </a:r>
+            <a:r>
+              <a:rPr lang="ko-KR" altLang="en-US" sz="2400" dirty="0" smtClean="0"/>
+              <a:t>더 많은 노동이 필요하다는 걸 느낌</a:t>
+            </a:r>
+            <a:r>
+              <a:rPr lang="en-US" altLang="ko-KR" sz="2400" dirty="0" smtClean="0"/>
+              <a:t>.</a:t>
+            </a:r>
+          </a:p>
+          <a:p>
+            <a:pPr>
+              <a:buFontTx/>
+              <a:buChar char="-"/>
+            </a:pPr>
+            <a:r>
+              <a:rPr lang="ko-KR" altLang="en-US" sz="2400" dirty="0" smtClean="0"/>
+              <a:t>하지만 유입이 쉽다는 걸로 모든 걸 커버</a:t>
+            </a:r>
+            <a:r>
+              <a:rPr lang="en-US" altLang="ko-KR" sz="2400" dirty="0" smtClean="0"/>
+              <a:t>, </a:t>
+            </a:r>
+            <a:r>
+              <a:rPr lang="ko-KR" altLang="en-US" sz="2400" dirty="0" smtClean="0"/>
+              <a:t>웹으로 들어가는 입구역할이 가장 좋을 듯</a:t>
+            </a:r>
+            <a:r>
+              <a:rPr lang="en-US" altLang="ko-KR" sz="2400" dirty="0" smtClean="0"/>
+              <a:t>.</a:t>
+            </a:r>
+            <a:r>
+              <a:rPr lang="ko-KR" altLang="en-US" sz="2400" dirty="0" smtClean="0"/>
+              <a:t> </a:t>
+            </a:r>
+            <a:endParaRPr lang="en-US" altLang="ko-KR" sz="2400" dirty="0" smtClean="0"/>
+          </a:p>
+        </p:txBody>
+      </p:sp>
+    </p:spTree>
+  </p:cSld>
+  <p:clrMapOvr>
+    <a:masterClrMapping/>
+  </p:clrMapOvr>
+  <p:timing>
+    <p:tnLst>
+      <p:par>
+        <p:cTn id="1" dur="indefinite" restart="never" nodeType="tmRoot"/>
+      </p:par>
+    </p:tnLst>
+  </p:timing>
+</p:sld>
+</file>
+
+<file path=ppt/slides/slide6.xml><?xml version="1.0" encoding="utf-8"?>
+<p:sld xmlns:a="http://schemas.openxmlformats.org/drawingml/2006/main" xmlns:r="http://schemas.openxmlformats.org/officeDocument/2006/relationships" xmlns:p="http://schemas.openxmlformats.org/presentationml/2006/main">
+  <p:cSld>
+    <p:spTree>
+      <p:nvGrpSpPr>
+        <p:cNvPr id="1" name=""/>
+        <p:cNvGrpSpPr/>
+        <p:nvPr/>
+      </p:nvGrpSpPr>
+      <p:grpSpPr>
+        <a:xfrm>
+          <a:off x="0" y="0"/>
+          <a:ext cx="0" cy="0"/>
+          <a:chOff x="0" y="0"/>
+          <a:chExt cx="0" cy="0"/>
+        </a:xfrm>
+      </p:grpSpPr>
+      <p:sp>
+        <p:nvSpPr>
+          <p:cNvPr id="2" name="제목 1"/>
+          <p:cNvSpPr>
+            <a:spLocks noGrp="1"/>
+          </p:cNvSpPr>
+          <p:nvPr>
+            <p:ph type="title"/>
+          </p:nvPr>
+        </p:nvSpPr>
+        <p:spPr/>
+        <p:txBody>
+          <a:bodyPr/>
+          <a:lstStyle/>
+          <a:p>
+            <a:r>
+              <a:rPr lang="en-US" altLang="ko-KR" dirty="0" smtClean="0"/>
+              <a:t>2. </a:t>
+            </a:r>
+            <a:r>
+              <a:rPr lang="en-US" altLang="ko-KR" dirty="0" err="1" smtClean="0"/>
+              <a:t>git</a:t>
+            </a:r>
+            <a:r>
+              <a:rPr lang="en-US" altLang="ko-KR" dirty="0" smtClean="0"/>
+              <a:t>-imager</a:t>
+            </a:r>
+            <a:endParaRPr lang="ko-KR" altLang="en-US" dirty="0"/>
+          </a:p>
+        </p:txBody>
+      </p:sp>
+      <p:sp>
+        <p:nvSpPr>
+          <p:cNvPr id="3" name="내용 개체 틀 2"/>
+          <p:cNvSpPr>
+            <a:spLocks noGrp="1"/>
+          </p:cNvSpPr>
+          <p:nvPr>
+            <p:ph idx="1"/>
+          </p:nvPr>
+        </p:nvSpPr>
+        <p:spPr/>
+        <p:txBody>
+          <a:bodyPr>
+            <a:normAutofit fontScale="70000" lnSpcReduction="20000"/>
+          </a:bodyPr>
+          <a:lstStyle/>
+          <a:p>
+            <a:r>
+              <a:rPr lang="ko-KR" altLang="en-US" dirty="0" smtClean="0"/>
+              <a:t>목표</a:t>
+            </a:r>
+            <a:endParaRPr lang="en-US" altLang="ko-KR" dirty="0" smtClean="0"/>
+          </a:p>
+          <a:p>
+            <a:pPr>
+              <a:buFontTx/>
+              <a:buChar char="-"/>
+            </a:pPr>
+            <a:r>
+              <a:rPr lang="en-US" altLang="ko-KR" dirty="0" err="1" smtClean="0"/>
+              <a:t>Img</a:t>
+            </a:r>
+            <a:r>
+              <a:rPr lang="ko-KR" altLang="en-US" dirty="0" smtClean="0"/>
+              <a:t>나 </a:t>
+            </a:r>
+            <a:r>
+              <a:rPr lang="en-US" altLang="ko-KR" dirty="0" smtClean="0"/>
+              <a:t>gif</a:t>
+            </a:r>
+            <a:r>
+              <a:rPr lang="ko-KR" altLang="en-US" dirty="0" smtClean="0"/>
+              <a:t>가 들어간 </a:t>
+            </a:r>
+            <a:r>
+              <a:rPr lang="en-US" altLang="ko-KR" dirty="0" smtClean="0"/>
+              <a:t>html</a:t>
+            </a:r>
+            <a:r>
+              <a:rPr lang="ko-KR" altLang="en-US" dirty="0" smtClean="0"/>
+              <a:t>을 만들때 깔끔한 </a:t>
+            </a:r>
+            <a:r>
+              <a:rPr lang="en-US" altLang="ko-KR" dirty="0" err="1" smtClean="0"/>
+              <a:t>url</a:t>
+            </a:r>
+            <a:r>
+              <a:rPr lang="ko-KR" altLang="en-US" dirty="0" smtClean="0"/>
+              <a:t>을 만들기 위해서는 파일을 저장하고 주소를 따는 일련의 작업이 필요</a:t>
+            </a:r>
+            <a:r>
+              <a:rPr lang="en-US" altLang="ko-KR" dirty="0" smtClean="0"/>
+              <a:t>. </a:t>
+            </a:r>
+            <a:endParaRPr lang="en-US" altLang="ko-KR" dirty="0"/>
+          </a:p>
+          <a:p>
+            <a:pPr>
+              <a:buFontTx/>
+              <a:buChar char="-"/>
+            </a:pPr>
+            <a:r>
+              <a:rPr lang="ko-KR" altLang="en-US" dirty="0" smtClean="0"/>
+              <a:t>무료 저장소를 이용한 쉬운 방법이 없을 까 생각하다 </a:t>
+            </a:r>
+            <a:r>
+              <a:rPr lang="en-US" altLang="ko-KR" dirty="0" err="1" smtClean="0"/>
+              <a:t>git</a:t>
+            </a:r>
+            <a:r>
+              <a:rPr lang="en-US" altLang="ko-KR" dirty="0" smtClean="0"/>
+              <a:t>-hub</a:t>
+            </a:r>
+            <a:r>
+              <a:rPr lang="ko-KR" altLang="en-US" dirty="0" smtClean="0"/>
+              <a:t>을 이용해 </a:t>
+            </a:r>
+            <a:r>
+              <a:rPr lang="en-US" altLang="ko-KR" dirty="0" err="1" smtClean="0"/>
+              <a:t>url</a:t>
+            </a:r>
+            <a:r>
+              <a:rPr lang="ko-KR" altLang="en-US" dirty="0" smtClean="0"/>
+              <a:t>을 생성하는 모듈 고안</a:t>
+            </a:r>
+            <a:endParaRPr lang="en-US" altLang="ko-KR" dirty="0" smtClean="0"/>
+          </a:p>
+          <a:p>
+            <a:pPr>
+              <a:buFontTx/>
+              <a:buChar char="-"/>
+            </a:pPr>
+            <a:r>
+              <a:rPr lang="ko-KR" altLang="en-US" dirty="0" err="1" smtClean="0"/>
+              <a:t>얻은점</a:t>
+            </a:r>
+            <a:r>
+              <a:rPr lang="ko-KR" altLang="en-US" dirty="0" smtClean="0"/>
+              <a:t> </a:t>
+            </a:r>
+            <a:r>
+              <a:rPr lang="en-US" altLang="ko-KR" dirty="0" smtClean="0"/>
+              <a:t>: public</a:t>
+            </a:r>
+            <a:r>
+              <a:rPr lang="ko-KR" altLang="en-US" dirty="0" smtClean="0"/>
+              <a:t>하게 쓸 수 있는 모듈로</a:t>
+            </a:r>
+            <a:r>
+              <a:rPr lang="en-US" altLang="ko-KR" dirty="0" smtClean="0"/>
+              <a:t>, </a:t>
+            </a:r>
+            <a:r>
+              <a:rPr lang="ko-KR" altLang="en-US" dirty="0" smtClean="0"/>
+              <a:t>공헌해보는 경험</a:t>
+            </a:r>
+            <a:r>
+              <a:rPr lang="en-US" altLang="ko-KR" dirty="0" smtClean="0"/>
+              <a:t>. </a:t>
+            </a:r>
+            <a:endParaRPr lang="en-US" altLang="ko-KR" dirty="0"/>
+          </a:p>
+          <a:p>
+            <a:pPr>
+              <a:buFontTx/>
+              <a:buChar char="-"/>
+            </a:pPr>
+            <a:r>
+              <a:rPr lang="en-US" altLang="ko-KR" dirty="0" err="1" smtClean="0"/>
+              <a:t>Javascript</a:t>
+            </a:r>
+            <a:r>
+              <a:rPr lang="en-US" altLang="ko-KR" dirty="0" smtClean="0"/>
+              <a:t> </a:t>
+            </a:r>
+            <a:r>
+              <a:rPr lang="ko-KR" altLang="en-US" dirty="0" smtClean="0"/>
+              <a:t>기반으로 웹을 짤 때 디자인 패턴이 확연히 다름을 느낌</a:t>
+            </a:r>
+            <a:r>
+              <a:rPr lang="en-US" altLang="ko-KR" dirty="0" smtClean="0"/>
+              <a:t>.</a:t>
+            </a:r>
+          </a:p>
+          <a:p>
+            <a:pPr>
+              <a:buFontTx/>
+              <a:buChar char="-"/>
+            </a:pPr>
+            <a:endParaRPr lang="en-US" altLang="ko-KR" dirty="0" smtClean="0"/>
+          </a:p>
+          <a:p>
+            <a:endParaRPr lang="ko-KR" altLang="en-US" dirty="0"/>
+          </a:p>
+        </p:txBody>
+      </p:sp>
+    </p:spTree>
+  </p:cSld>
+  <p:clrMapOvr>
+    <a:masterClrMapping/>
+  </p:clrMapOvr>
+  <p:timing>
+    <p:tnLst>
+      <p:par>
+        <p:cTn id="1" dur="indefinite" restart="never" nodeType="tmRoot"/>
+      </p:par>
+    </p:tnLst>
+  </p:timing>
+</p:sld>
+</file>
+
+<file path=ppt/slides/slide7.xml><?xml version="1.0" encoding="utf-8"?>
+<p:sld xmlns:a="http://schemas.openxmlformats.org/drawingml/2006/main" xmlns:r="http://schemas.openxmlformats.org/officeDocument/2006/relationships" xmlns:p="http://schemas.openxmlformats.org/presentationml/2006/main">
+  <p:cSld>
+    <p:spTree>
+      <p:nvGrpSpPr>
+        <p:cNvPr id="1" name=""/>
+        <p:cNvGrpSpPr/>
+        <p:nvPr/>
+      </p:nvGrpSpPr>
+      <p:grpSpPr>
+        <a:xfrm>
+          <a:off x="0" y="0"/>
+          <a:ext cx="0" cy="0"/>
+          <a:chOff x="0" y="0"/>
+          <a:chExt cx="0" cy="0"/>
+        </a:xfrm>
+      </p:grpSpPr>
+      <p:sp>
+        <p:nvSpPr>
+          <p:cNvPr id="2" name="제목 1"/>
+          <p:cNvSpPr>
+            <a:spLocks noGrp="1"/>
+          </p:cNvSpPr>
+          <p:nvPr>
+            <p:ph type="title"/>
+          </p:nvPr>
+        </p:nvSpPr>
+        <p:spPr/>
+        <p:txBody>
+          <a:bodyPr/>
+          <a:lstStyle/>
+          <a:p>
+            <a:r>
               <a:rPr lang="en-US" altLang="ko-KR" dirty="0" smtClean="0"/>
               <a:t>3. </a:t>
             </a:r>
@@ -4172,7 +5407,7 @@
 </p:sld>
 </file>
 
-<file path=ppt/slides/slide6.xml><?xml version="1.0" encoding="utf-8"?>
+<file path=ppt/slides/slide8.xml><?xml version="1.0" encoding="utf-8"?>
 <p:sld xmlns:a="http://schemas.openxmlformats.org/drawingml/2006/main" xmlns:r="http://schemas.openxmlformats.org/officeDocument/2006/relationships" xmlns:p="http://schemas.openxmlformats.org/presentationml/2006/main">
   <p:cSld>
     <p:spTree>

--- a/Cloud TF 회고.pptx
+++ b/Cloud TF 회고.pptx
@@ -9,10 +9,11 @@
     <p:sldId id="257" r:id="rId3"/>
     <p:sldId id="262" r:id="rId4"/>
     <p:sldId id="263" r:id="rId5"/>
-    <p:sldId id="258" r:id="rId6"/>
-    <p:sldId id="259" r:id="rId7"/>
-    <p:sldId id="260" r:id="rId8"/>
-    <p:sldId id="261" r:id="rId9"/>
+    <p:sldId id="264" r:id="rId6"/>
+    <p:sldId id="258" r:id="rId7"/>
+    <p:sldId id="259" r:id="rId8"/>
+    <p:sldId id="260" r:id="rId9"/>
+    <p:sldId id="261" r:id="rId10"/>
   </p:sldIdLst>
   <p:sldSz cx="9144000" cy="5143500" type="screen16x9"/>
   <p:notesSz cx="6858000" cy="9144000"/>
@@ -3245,14 +3246,24 @@
               <a:t>, </a:t>
             </a:r>
             <a:r>
-              <a:rPr lang="ko-KR" altLang="en-US" sz="2400" spc="-150" dirty="0" smtClean="0">
-                <a:solidFill>
-                  <a:schemeClr val="bg1"/>
-                </a:solidFill>
-                <a:latin typeface="나눔명조" pitchFamily="18" charset="-127"/>
-                <a:ea typeface="나눔명조" pitchFamily="18" charset="-127"/>
-              </a:rPr>
-              <a:t>실행</a:t>
+              <a:rPr lang="ko-KR" altLang="en-US" sz="2400" spc="-150" dirty="0" err="1" smtClean="0">
+                <a:solidFill>
+                  <a:schemeClr val="bg1"/>
+                </a:solidFill>
+                <a:latin typeface="나눔명조" pitchFamily="18" charset="-127"/>
+                <a:ea typeface="나눔명조" pitchFamily="18" charset="-127"/>
+              </a:rPr>
+              <a:t>얻은</a:t>
+            </a:r>
+            <a:r>
+              <a:rPr lang="ko-KR" altLang="en-US" sz="2400" spc="-150" dirty="0" err="1" smtClean="0">
+                <a:solidFill>
+                  <a:schemeClr val="bg1"/>
+                </a:solidFill>
+                <a:latin typeface="나눔명조" pitchFamily="18" charset="-127"/>
+                <a:ea typeface="나눔명조" pitchFamily="18" charset="-127"/>
+              </a:rPr>
+              <a:t>점</a:t>
             </a:r>
             <a:r>
               <a:rPr lang="en-US" altLang="ko-KR" sz="2400" spc="-150" dirty="0" smtClean="0">
@@ -4814,262 +4825,927 @@
           <a:chExt cx="0" cy="0"/>
         </a:xfrm>
       </p:grpSpPr>
-      <p:sp>
-        <p:nvSpPr>
-          <p:cNvPr id="2" name="제목 1"/>
-          <p:cNvSpPr>
-            <a:spLocks noGrp="1"/>
-          </p:cNvSpPr>
-          <p:nvPr>
-            <p:ph type="title"/>
-          </p:nvPr>
-        </p:nvSpPr>
-        <p:spPr/>
-        <p:txBody>
-          <a:bodyPr/>
-          <a:lstStyle/>
-          <a:p>
-            <a:r>
-              <a:rPr lang="ko-KR" altLang="en-US" dirty="0" smtClean="0"/>
-              <a:t>카카오로 </a:t>
-            </a:r>
-            <a:r>
-              <a:rPr lang="en-US" altLang="ko-KR" dirty="0" smtClean="0"/>
-              <a:t>CRUD </a:t>
-            </a:r>
-            <a:r>
-              <a:rPr lang="ko-KR" altLang="en-US" dirty="0" smtClean="0"/>
-              <a:t>실습</a:t>
-            </a:r>
-            <a:endParaRPr lang="ko-KR" altLang="en-US" dirty="0"/>
-          </a:p>
-        </p:txBody>
-      </p:sp>
-      <p:sp>
-        <p:nvSpPr>
-          <p:cNvPr id="3" name="내용 개체 틀 2"/>
-          <p:cNvSpPr>
-            <a:spLocks noGrp="1"/>
-          </p:cNvSpPr>
-          <p:nvPr>
-            <p:ph idx="1"/>
-          </p:nvPr>
-        </p:nvSpPr>
-        <p:spPr/>
-        <p:txBody>
-          <a:bodyPr>
-            <a:normAutofit fontScale="70000" lnSpcReduction="20000"/>
+      <p:pic>
+        <p:nvPicPr>
+          <p:cNvPr id="13" name="Picture 2" descr="ppt template cloudì ëí ì´ë¯¸ì§ ê²ìê²°ê³¼"/>
+          <p:cNvPicPr>
+            <a:picLocks noChangeArrowheads="1"/>
+          </p:cNvPicPr>
+          <p:nvPr/>
+        </p:nvPicPr>
+        <p:blipFill>
+          <a:blip r:embed="rId2" cstate="print">
+            <a:grayscl/>
+            <a:lum bright="-48000" contrast="37000"/>
+          </a:blip>
+          <a:srcRect/>
+          <a:stretch>
+            <a:fillRect/>
+          </a:stretch>
+        </p:blipFill>
+        <p:spPr bwMode="auto">
+          <a:xfrm>
+            <a:off x="0" y="0"/>
+            <a:ext cx="9144000" cy="5143500"/>
+          </a:xfrm>
+          <a:prstGeom prst="rect">
+            <a:avLst/>
+          </a:prstGeom>
+          <a:noFill/>
+        </p:spPr>
+      </p:pic>
+      <p:sp>
+        <p:nvSpPr>
+          <p:cNvPr id="17" name="TextBox 16"/>
+          <p:cNvSpPr txBox="1"/>
+          <p:nvPr/>
+        </p:nvSpPr>
+        <p:spPr>
+          <a:xfrm>
+            <a:off x="1691680" y="1083389"/>
+            <a:ext cx="5760640" cy="2893100"/>
+          </a:xfrm>
+          <a:prstGeom prst="rect">
+            <a:avLst/>
+          </a:prstGeom>
+          <a:noFill/>
+        </p:spPr>
+        <p:txBody>
+          <a:bodyPr wrap="square" rtlCol="0">
+            <a:spAutoFit/>
           </a:bodyPr>
           <a:lstStyle/>
           <a:p>
-            <a:r>
-              <a:rPr lang="ko-KR" altLang="en-US" sz="2400" dirty="0" smtClean="0"/>
-              <a:t>목표</a:t>
-            </a:r>
-            <a:endParaRPr lang="en-US" altLang="ko-KR" sz="2400" dirty="0" smtClean="0"/>
-          </a:p>
-          <a:p>
-            <a:pPr>
-              <a:buFontTx/>
-              <a:buChar char="-"/>
+            <a:pPr marL="342900" indent="-342900">
+              <a:buAutoNum type="arabicPeriod"/>
             </a:pPr>
             <a:r>
-              <a:rPr lang="ko-KR" altLang="en-US" sz="2400" dirty="0" smtClean="0"/>
-              <a:t>카카오 화면을 접점으로 </a:t>
-            </a:r>
-            <a:r>
-              <a:rPr lang="en-US" altLang="ko-KR" sz="2400" dirty="0" smtClean="0"/>
-              <a:t>DB</a:t>
-            </a:r>
-            <a:r>
-              <a:rPr lang="ko-KR" altLang="en-US" sz="2400" dirty="0" smtClean="0"/>
-              <a:t>까지 갔다가 돌아오는 </a:t>
-            </a:r>
-            <a:r>
-              <a:rPr lang="en-US" altLang="ko-KR" sz="2400" dirty="0" smtClean="0"/>
-              <a:t>CRUD </a:t>
-            </a:r>
-            <a:r>
-              <a:rPr lang="ko-KR" altLang="en-US" sz="2400" dirty="0" smtClean="0"/>
-              <a:t>작업 </a:t>
-            </a:r>
-            <a:endParaRPr lang="en-US" altLang="ko-KR" sz="2400" dirty="0" smtClean="0"/>
-          </a:p>
-          <a:p>
-            <a:pPr>
-              <a:buFontTx/>
-              <a:buChar char="-"/>
+              <a:rPr lang="ko-KR" altLang="en-US" sz="1400" spc="-150" dirty="0" smtClean="0">
+                <a:solidFill>
+                  <a:schemeClr val="bg1"/>
+                </a:solidFill>
+                <a:latin typeface="나눔명조" pitchFamily="18" charset="-127"/>
+                <a:ea typeface="나눔명조" pitchFamily="18" charset="-127"/>
+              </a:rPr>
+              <a:t>목적 </a:t>
+            </a:r>
+            <a:r>
+              <a:rPr lang="en-US" altLang="ko-KR" sz="1400" spc="-150" dirty="0" smtClean="0">
+                <a:solidFill>
+                  <a:schemeClr val="bg1"/>
+                </a:solidFill>
+                <a:latin typeface="나눔명조" pitchFamily="18" charset="-127"/>
+                <a:ea typeface="나눔명조" pitchFamily="18" charset="-127"/>
+              </a:rPr>
+              <a:t/>
+            </a:r>
+            <a:br>
+              <a:rPr lang="en-US" altLang="ko-KR" sz="1400" spc="-150" dirty="0" smtClean="0">
+                <a:solidFill>
+                  <a:schemeClr val="bg1"/>
+                </a:solidFill>
+                <a:latin typeface="나눔명조" pitchFamily="18" charset="-127"/>
+                <a:ea typeface="나눔명조" pitchFamily="18" charset="-127"/>
+              </a:rPr>
+            </a:br>
+            <a:r>
+              <a:rPr lang="en-US" altLang="ko-KR" sz="1400" spc="-150" dirty="0" smtClean="0">
+                <a:solidFill>
+                  <a:schemeClr val="bg1"/>
+                </a:solidFill>
+                <a:latin typeface="나눔명조" pitchFamily="18" charset="-127"/>
+                <a:ea typeface="나눔명조" pitchFamily="18" charset="-127"/>
+              </a:rPr>
+              <a:t>- </a:t>
+            </a:r>
+            <a:r>
+              <a:rPr lang="ko-KR" altLang="en-US" sz="1400" spc="-150" dirty="0" smtClean="0">
+                <a:solidFill>
+                  <a:schemeClr val="bg1"/>
+                </a:solidFill>
+                <a:latin typeface="나눔명조" pitchFamily="18" charset="-127"/>
+                <a:ea typeface="나눔명조" pitchFamily="18" charset="-127"/>
+              </a:rPr>
+              <a:t> </a:t>
+            </a:r>
+            <a:r>
+              <a:rPr lang="ko-KR" altLang="en-US" sz="1400" spc="-150" dirty="0" smtClean="0">
+                <a:solidFill>
+                  <a:schemeClr val="bg1"/>
+                </a:solidFill>
+                <a:latin typeface="나눔명조" pitchFamily="18" charset="-127"/>
+                <a:ea typeface="나눔명조" pitchFamily="18" charset="-127"/>
+              </a:rPr>
+              <a:t>카카오 </a:t>
+            </a:r>
+            <a:r>
+              <a:rPr lang="ko-KR" altLang="en-US" sz="1400" spc="-150" dirty="0" err="1" smtClean="0">
+                <a:solidFill>
+                  <a:schemeClr val="bg1"/>
+                </a:solidFill>
+                <a:latin typeface="나눔명조" pitchFamily="18" charset="-127"/>
+                <a:ea typeface="나눔명조" pitchFamily="18" charset="-127"/>
+              </a:rPr>
+              <a:t>챗봇화면으로</a:t>
+            </a:r>
+            <a:r>
+              <a:rPr lang="ko-KR" altLang="en-US" sz="1400" spc="-150" dirty="0" smtClean="0">
+                <a:solidFill>
+                  <a:schemeClr val="bg1"/>
+                </a:solidFill>
+                <a:latin typeface="나눔명조" pitchFamily="18" charset="-127"/>
+                <a:ea typeface="나눔명조" pitchFamily="18" charset="-127"/>
+              </a:rPr>
+              <a:t> </a:t>
+            </a:r>
+            <a:r>
+              <a:rPr lang="en-US" altLang="ko-KR" sz="1400" spc="-150" dirty="0" smtClean="0">
+                <a:solidFill>
+                  <a:schemeClr val="bg1"/>
+                </a:solidFill>
+                <a:latin typeface="나눔명조" pitchFamily="18" charset="-127"/>
+                <a:ea typeface="나눔명조" pitchFamily="18" charset="-127"/>
+              </a:rPr>
+              <a:t>CRUD</a:t>
+            </a:r>
+            <a:r>
+              <a:rPr lang="ko-KR" altLang="en-US" sz="1400" spc="-150" dirty="0" smtClean="0">
+                <a:solidFill>
+                  <a:schemeClr val="bg1"/>
+                </a:solidFill>
+                <a:latin typeface="나눔명조" pitchFamily="18" charset="-127"/>
+                <a:ea typeface="나눔명조" pitchFamily="18" charset="-127"/>
+              </a:rPr>
+              <a:t>까지</a:t>
+            </a:r>
+            <a:r>
+              <a:rPr lang="en-US" altLang="ko-KR" sz="1400" spc="-150" dirty="0" smtClean="0">
+                <a:solidFill>
+                  <a:schemeClr val="bg1"/>
+                </a:solidFill>
+                <a:latin typeface="나눔명조" pitchFamily="18" charset="-127"/>
+                <a:ea typeface="나눔명조" pitchFamily="18" charset="-127"/>
+              </a:rPr>
+              <a:t> </a:t>
+            </a:r>
+            <a:r>
+              <a:rPr lang="ko-KR" altLang="en-US" sz="1400" spc="-150" dirty="0" smtClean="0">
+                <a:solidFill>
+                  <a:schemeClr val="bg1"/>
+                </a:solidFill>
+                <a:latin typeface="나눔명조" pitchFamily="18" charset="-127"/>
+                <a:ea typeface="나눔명조" pitchFamily="18" charset="-127"/>
+              </a:rPr>
+              <a:t>실습</a:t>
+            </a:r>
+            <a:r>
+              <a:rPr lang="en-US" altLang="ko-KR" sz="1400" spc="-150" dirty="0" smtClean="0">
+                <a:solidFill>
+                  <a:schemeClr val="bg1"/>
+                </a:solidFill>
+                <a:latin typeface="나눔명조" pitchFamily="18" charset="-127"/>
+                <a:ea typeface="나눔명조" pitchFamily="18" charset="-127"/>
+              </a:rPr>
+              <a:t/>
+            </a:r>
+            <a:br>
+              <a:rPr lang="en-US" altLang="ko-KR" sz="1400" spc="-150" dirty="0" smtClean="0">
+                <a:solidFill>
+                  <a:schemeClr val="bg1"/>
+                </a:solidFill>
+                <a:latin typeface="나눔명조" pitchFamily="18" charset="-127"/>
+                <a:ea typeface="나눔명조" pitchFamily="18" charset="-127"/>
+              </a:rPr>
+            </a:br>
+            <a:r>
+              <a:rPr lang="en-US" altLang="ko-KR" sz="1400" spc="-150" dirty="0" smtClean="0">
+                <a:solidFill>
+                  <a:schemeClr val="bg1"/>
+                </a:solidFill>
+                <a:latin typeface="나눔명조" pitchFamily="18" charset="-127"/>
+                <a:ea typeface="나눔명조" pitchFamily="18" charset="-127"/>
+              </a:rPr>
+              <a:t>- AWS</a:t>
+            </a:r>
+            <a:r>
+              <a:rPr lang="ko-KR" altLang="en-US" sz="1400" spc="-150" dirty="0" smtClean="0">
+                <a:solidFill>
+                  <a:schemeClr val="bg1"/>
+                </a:solidFill>
+                <a:latin typeface="나눔명조" pitchFamily="18" charset="-127"/>
+                <a:ea typeface="나눔명조" pitchFamily="18" charset="-127"/>
+              </a:rPr>
+              <a:t>로 자바 웹 배</a:t>
+            </a:r>
+            <a:r>
+              <a:rPr lang="ko-KR" altLang="en-US" sz="1400" spc="-150" dirty="0" smtClean="0">
+                <a:solidFill>
+                  <a:schemeClr val="bg1"/>
+                </a:solidFill>
+                <a:latin typeface="나눔명조" pitchFamily="18" charset="-127"/>
+                <a:ea typeface="나눔명조" pitchFamily="18" charset="-127"/>
+              </a:rPr>
+              <a:t>포</a:t>
+            </a:r>
+            <a:r>
+              <a:rPr lang="en-US" altLang="ko-KR" sz="1400" spc="-150" dirty="0" smtClean="0">
+                <a:solidFill>
+                  <a:schemeClr val="bg1"/>
+                </a:solidFill>
+                <a:latin typeface="나눔명조" pitchFamily="18" charset="-127"/>
+                <a:ea typeface="나눔명조" pitchFamily="18" charset="-127"/>
+              </a:rPr>
+              <a:t> </a:t>
+            </a:r>
+            <a:r>
+              <a:rPr lang="ko-KR" altLang="en-US" sz="1400" spc="-150" dirty="0" smtClean="0">
+                <a:solidFill>
+                  <a:schemeClr val="bg1"/>
+                </a:solidFill>
+                <a:latin typeface="나눔명조" pitchFamily="18" charset="-127"/>
+                <a:ea typeface="나눔명조" pitchFamily="18" charset="-127"/>
+              </a:rPr>
+              <a:t>실습</a:t>
+            </a:r>
+            <a:endParaRPr lang="en-US" altLang="ko-KR" sz="1400" spc="-150" dirty="0" smtClean="0">
+              <a:solidFill>
+                <a:schemeClr val="bg1"/>
+              </a:solidFill>
+              <a:latin typeface="나눔명조" pitchFamily="18" charset="-127"/>
+              <a:ea typeface="나눔명조" pitchFamily="18" charset="-127"/>
+            </a:endParaRPr>
+          </a:p>
+          <a:p>
+            <a:pPr marL="342900" indent="-342900">
+              <a:buAutoNum type="arabicPeriod"/>
             </a:pPr>
             <a:r>
-              <a:rPr lang="ko-KR" altLang="en-US" sz="2400" dirty="0" err="1" smtClean="0"/>
-              <a:t>얻은점</a:t>
-            </a:r>
-            <a:endParaRPr lang="en-US" altLang="ko-KR" sz="2400" dirty="0" smtClean="0"/>
-          </a:p>
-          <a:p>
-            <a:pPr>
-              <a:buFontTx/>
-              <a:buChar char="-"/>
+              <a:rPr lang="ko-KR" altLang="en-US" sz="1400" spc="-150" dirty="0" smtClean="0">
+                <a:solidFill>
+                  <a:schemeClr val="bg1"/>
+                </a:solidFill>
+                <a:latin typeface="나눔명조" pitchFamily="18" charset="-127"/>
+                <a:ea typeface="나눔명조" pitchFamily="18" charset="-127"/>
+              </a:rPr>
+              <a:t>얻은 점</a:t>
+            </a:r>
+            <a:r>
+              <a:rPr lang="en-US" altLang="ko-KR" sz="1400" spc="-150" dirty="0" smtClean="0">
+                <a:solidFill>
+                  <a:schemeClr val="bg1"/>
+                </a:solidFill>
+                <a:latin typeface="나눔명조" pitchFamily="18" charset="-127"/>
+                <a:ea typeface="나눔명조" pitchFamily="18" charset="-127"/>
+              </a:rPr>
+              <a:t/>
+            </a:r>
+            <a:br>
+              <a:rPr lang="en-US" altLang="ko-KR" sz="1400" spc="-150" dirty="0" smtClean="0">
+                <a:solidFill>
+                  <a:schemeClr val="bg1"/>
+                </a:solidFill>
+                <a:latin typeface="나눔명조" pitchFamily="18" charset="-127"/>
+                <a:ea typeface="나눔명조" pitchFamily="18" charset="-127"/>
+              </a:rPr>
+            </a:br>
+            <a:r>
+              <a:rPr lang="en-US" altLang="ko-KR" sz="1400" spc="-150" dirty="0" smtClean="0">
+                <a:solidFill>
+                  <a:schemeClr val="bg1"/>
+                </a:solidFill>
+                <a:latin typeface="나눔명조" pitchFamily="18" charset="-127"/>
+                <a:ea typeface="나눔명조" pitchFamily="18" charset="-127"/>
+              </a:rPr>
+              <a:t>-</a:t>
+            </a:r>
+            <a:r>
+              <a:rPr lang="ko-KR" altLang="en-US" sz="1400" spc="-150" dirty="0" smtClean="0">
+                <a:solidFill>
+                  <a:schemeClr val="bg1"/>
+                </a:solidFill>
+                <a:latin typeface="나눔명조" pitchFamily="18" charset="-127"/>
+                <a:ea typeface="나눔명조" pitchFamily="18" charset="-127"/>
+              </a:rPr>
+              <a:t> </a:t>
+            </a:r>
+            <a:r>
+              <a:rPr lang="en-US" altLang="ko-KR" sz="1400" spc="-150" dirty="0" smtClean="0">
+                <a:solidFill>
+                  <a:schemeClr val="bg1"/>
+                </a:solidFill>
+                <a:latin typeface="나눔명조" pitchFamily="18" charset="-127"/>
+                <a:ea typeface="나눔명조" pitchFamily="18" charset="-127"/>
+              </a:rPr>
+              <a:t>AWS</a:t>
+            </a:r>
+            <a:r>
+              <a:rPr lang="ko-KR" altLang="en-US" sz="1400" spc="-150" dirty="0" smtClean="0">
+                <a:solidFill>
+                  <a:schemeClr val="bg1"/>
+                </a:solidFill>
+                <a:latin typeface="나눔명조" pitchFamily="18" charset="-127"/>
+                <a:ea typeface="나눔명조" pitchFamily="18" charset="-127"/>
+              </a:rPr>
+              <a:t>로 자바 웹 배포 </a:t>
+            </a:r>
+            <a:endParaRPr lang="en-US" altLang="ko-KR" sz="1400" spc="-150" dirty="0" smtClean="0">
+              <a:solidFill>
+                <a:schemeClr val="bg1"/>
+              </a:solidFill>
+              <a:latin typeface="나눔명조" pitchFamily="18" charset="-127"/>
+              <a:ea typeface="나눔명조" pitchFamily="18" charset="-127"/>
+            </a:endParaRPr>
+          </a:p>
+          <a:p>
+            <a:pPr marL="342900" indent="-342900">
+              <a:buAutoNum type="arabicPeriod"/>
             </a:pPr>
             <a:r>
-              <a:rPr lang="en-US" altLang="ko-KR" sz="2400" dirty="0" smtClean="0"/>
-              <a:t>AWS</a:t>
-            </a:r>
-            <a:r>
-              <a:rPr lang="ko-KR" altLang="en-US" sz="2400" dirty="0" smtClean="0"/>
-              <a:t>를 활용해 </a:t>
-            </a:r>
-            <a:r>
-              <a:rPr lang="ko-KR" altLang="en-US" sz="2400" dirty="0" err="1" smtClean="0"/>
-              <a:t>자바웹</a:t>
-            </a:r>
-            <a:r>
-              <a:rPr lang="ko-KR" altLang="en-US" sz="2400" dirty="0" smtClean="0"/>
+              <a:rPr lang="ko-KR" altLang="en-US" sz="1400" spc="-150" dirty="0" smtClean="0">
+                <a:solidFill>
+                  <a:schemeClr val="bg1"/>
+                </a:solidFill>
+                <a:latin typeface="나눔명조" pitchFamily="18" charset="-127"/>
+                <a:ea typeface="나눔명조" pitchFamily="18" charset="-127"/>
+              </a:rPr>
+              <a:t>느낀 점</a:t>
+            </a:r>
+            <a:r>
+              <a:rPr lang="en-US" altLang="ko-KR" sz="1400" spc="-150" dirty="0" smtClean="0">
+                <a:solidFill>
+                  <a:schemeClr val="bg1"/>
+                </a:solidFill>
+                <a:latin typeface="나눔명조" pitchFamily="18" charset="-127"/>
+                <a:ea typeface="나눔명조" pitchFamily="18" charset="-127"/>
+              </a:rPr>
+              <a:t/>
+            </a:r>
+            <a:br>
+              <a:rPr lang="en-US" altLang="ko-KR" sz="1400" spc="-150" dirty="0" smtClean="0">
+                <a:solidFill>
+                  <a:schemeClr val="bg1"/>
+                </a:solidFill>
+                <a:latin typeface="나눔명조" pitchFamily="18" charset="-127"/>
+                <a:ea typeface="나눔명조" pitchFamily="18" charset="-127"/>
+              </a:rPr>
+            </a:br>
+            <a:r>
+              <a:rPr lang="en-US" altLang="ko-KR" sz="1400" spc="-150" dirty="0" smtClean="0">
+                <a:solidFill>
+                  <a:schemeClr val="bg1"/>
+                </a:solidFill>
+                <a:latin typeface="나눔명조" pitchFamily="18" charset="-127"/>
+                <a:ea typeface="나눔명조" pitchFamily="18" charset="-127"/>
+              </a:rPr>
+              <a:t>- </a:t>
+            </a:r>
+            <a:r>
+              <a:rPr lang="ko-KR" altLang="en-US" sz="1400" spc="-150" dirty="0" smtClean="0">
+                <a:solidFill>
+                  <a:schemeClr val="bg1"/>
+                </a:solidFill>
+                <a:latin typeface="나눔명조" pitchFamily="18" charset="-127"/>
+                <a:ea typeface="나눔명조" pitchFamily="18" charset="-127"/>
+              </a:rPr>
               <a:t> </a:t>
             </a:r>
             <a:r>
-              <a:rPr lang="en-US" altLang="ko-KR" sz="2400" dirty="0" smtClean="0"/>
-              <a:t>deploy </a:t>
-            </a:r>
-            <a:r>
-              <a:rPr lang="ko-KR" altLang="en-US" sz="2400" dirty="0" smtClean="0"/>
-              <a:t>경험</a:t>
-            </a:r>
-            <a:endParaRPr lang="en-US" altLang="ko-KR" sz="2400" dirty="0" smtClean="0"/>
-          </a:p>
-          <a:p>
-            <a:pPr>
-              <a:buFontTx/>
-              <a:buChar char="-"/>
+              <a:rPr lang="ko-KR" altLang="en-US" sz="1400" spc="-150" dirty="0" err="1" smtClean="0">
+                <a:solidFill>
+                  <a:schemeClr val="bg1"/>
+                </a:solidFill>
+                <a:latin typeface="나눔명조" pitchFamily="18" charset="-127"/>
+                <a:ea typeface="나눔명조" pitchFamily="18" charset="-127"/>
+              </a:rPr>
+              <a:t>프론트</a:t>
+            </a:r>
+            <a:r>
+              <a:rPr lang="ko-KR" altLang="en-US" sz="1400" spc="-150" dirty="0" smtClean="0">
+                <a:solidFill>
+                  <a:schemeClr val="bg1"/>
+                </a:solidFill>
+                <a:latin typeface="나눔명조" pitchFamily="18" charset="-127"/>
+                <a:ea typeface="나눔명조" pitchFamily="18" charset="-127"/>
+              </a:rPr>
+              <a:t> 환경이 무엇이냐에 따라 </a:t>
+            </a:r>
+            <a:r>
+              <a:rPr lang="en-US" altLang="ko-KR" sz="1400" spc="-150" dirty="0" smtClean="0">
+                <a:solidFill>
+                  <a:schemeClr val="bg1"/>
+                </a:solidFill>
+                <a:latin typeface="나눔명조" pitchFamily="18" charset="-127"/>
+                <a:ea typeface="나눔명조" pitchFamily="18" charset="-127"/>
+              </a:rPr>
+              <a:t>back</a:t>
+            </a:r>
+            <a:r>
+              <a:rPr lang="ko-KR" altLang="en-US" sz="1400" spc="-150" dirty="0" smtClean="0">
+                <a:solidFill>
+                  <a:schemeClr val="bg1"/>
+                </a:solidFill>
+                <a:latin typeface="나눔명조" pitchFamily="18" charset="-127"/>
+                <a:ea typeface="나눔명조" pitchFamily="18" charset="-127"/>
+              </a:rPr>
+              <a:t>단의 설계가 많이 달라져야 함을 실감</a:t>
+            </a:r>
+            <a:r>
+              <a:rPr lang="en-US" altLang="ko-KR" sz="1400" spc="-150" dirty="0" smtClean="0">
+                <a:solidFill>
+                  <a:schemeClr val="bg1"/>
+                </a:solidFill>
+                <a:latin typeface="나눔명조" pitchFamily="18" charset="-127"/>
+                <a:ea typeface="나눔명조" pitchFamily="18" charset="-127"/>
+              </a:rPr>
+              <a:t>.</a:t>
+            </a:r>
+            <a:r>
+              <a:rPr lang="en-US" altLang="ko-KR" sz="1400" spc="-150" dirty="0" smtClean="0">
+                <a:solidFill>
+                  <a:schemeClr val="bg1"/>
+                </a:solidFill>
+                <a:latin typeface="나눔명조" pitchFamily="18" charset="-127"/>
+                <a:ea typeface="나눔명조" pitchFamily="18" charset="-127"/>
+              </a:rPr>
+              <a:t/>
+            </a:r>
+            <a:br>
+              <a:rPr lang="en-US" altLang="ko-KR" sz="1400" spc="-150" dirty="0" smtClean="0">
+                <a:solidFill>
+                  <a:schemeClr val="bg1"/>
+                </a:solidFill>
+                <a:latin typeface="나눔명조" pitchFamily="18" charset="-127"/>
+                <a:ea typeface="나눔명조" pitchFamily="18" charset="-127"/>
+              </a:rPr>
+            </a:br>
+            <a:r>
+              <a:rPr lang="en-US" altLang="ko-KR" sz="1400" spc="-150" dirty="0" smtClean="0">
+                <a:solidFill>
+                  <a:schemeClr val="bg1"/>
+                </a:solidFill>
+                <a:latin typeface="나눔명조" pitchFamily="18" charset="-127"/>
+                <a:ea typeface="나눔명조" pitchFamily="18" charset="-127"/>
+              </a:rPr>
+              <a:t>- </a:t>
+            </a:r>
+            <a:r>
+              <a:rPr lang="ko-KR" altLang="en-US" sz="1400" spc="-150" dirty="0" smtClean="0">
+                <a:solidFill>
+                  <a:schemeClr val="bg1"/>
+                </a:solidFill>
+                <a:latin typeface="나눔명조" pitchFamily="18" charset="-127"/>
+                <a:ea typeface="나눔명조" pitchFamily="18" charset="-127"/>
+              </a:rPr>
+              <a:t>카카오 </a:t>
+            </a:r>
+            <a:r>
+              <a:rPr lang="ko-KR" altLang="en-US" sz="1400" spc="-150" dirty="0" err="1" smtClean="0">
+                <a:solidFill>
+                  <a:schemeClr val="bg1"/>
+                </a:solidFill>
+                <a:latin typeface="나눔명조" pitchFamily="18" charset="-127"/>
+                <a:ea typeface="나눔명조" pitchFamily="18" charset="-127"/>
+              </a:rPr>
+              <a:t>챗봇은</a:t>
+            </a:r>
+            <a:r>
+              <a:rPr lang="ko-KR" altLang="en-US" sz="1400" spc="-150" dirty="0" smtClean="0">
+                <a:solidFill>
+                  <a:schemeClr val="bg1"/>
+                </a:solidFill>
+                <a:latin typeface="나눔명조" pitchFamily="18" charset="-127"/>
+                <a:ea typeface="나눔명조" pitchFamily="18" charset="-127"/>
+              </a:rPr>
+              <a:t> </a:t>
+            </a:r>
+            <a:r>
+              <a:rPr lang="en-US" altLang="ko-KR" sz="1400" spc="-150" dirty="0" smtClean="0">
+                <a:solidFill>
+                  <a:schemeClr val="bg1"/>
+                </a:solidFill>
+                <a:latin typeface="나눔명조" pitchFamily="18" charset="-127"/>
+                <a:ea typeface="나눔명조" pitchFamily="18" charset="-127"/>
+              </a:rPr>
+              <a:t>input</a:t>
+            </a:r>
+            <a:r>
+              <a:rPr lang="ko-KR" altLang="en-US" sz="1400" spc="-150" dirty="0" smtClean="0">
+                <a:solidFill>
+                  <a:schemeClr val="bg1"/>
+                </a:solidFill>
+                <a:latin typeface="나눔명조" pitchFamily="18" charset="-127"/>
+                <a:ea typeface="나눔명조" pitchFamily="18" charset="-127"/>
+              </a:rPr>
+              <a:t>과 기본 제공되는 데이터가 한정되어 있어</a:t>
+            </a:r>
+            <a:r>
+              <a:rPr lang="en-US" altLang="ko-KR" sz="1400" spc="-150" dirty="0" smtClean="0">
+                <a:solidFill>
+                  <a:schemeClr val="bg1"/>
+                </a:solidFill>
+                <a:latin typeface="나눔명조" pitchFamily="18" charset="-127"/>
+                <a:ea typeface="나눔명조" pitchFamily="18" charset="-127"/>
+              </a:rPr>
+              <a:t>, </a:t>
+            </a:r>
+            <a:r>
+              <a:rPr lang="ko-KR" altLang="en-US" sz="1400" spc="-150" dirty="0" smtClean="0">
+                <a:solidFill>
+                  <a:schemeClr val="bg1"/>
+                </a:solidFill>
+                <a:latin typeface="나눔명조" pitchFamily="18" charset="-127"/>
+                <a:ea typeface="나눔명조" pitchFamily="18" charset="-127"/>
+              </a:rPr>
+              <a:t>부수적인 설계       </a:t>
+            </a:r>
+            <a:r>
+              <a:rPr lang="en-US" altLang="ko-KR" sz="1400" spc="-150" dirty="0" smtClean="0">
+                <a:solidFill>
+                  <a:schemeClr val="bg1"/>
+                </a:solidFill>
+                <a:latin typeface="나눔명조" pitchFamily="18" charset="-127"/>
+                <a:ea typeface="나눔명조" pitchFamily="18" charset="-127"/>
+              </a:rPr>
+              <a:t> </a:t>
+            </a:r>
+            <a:r>
+              <a:rPr lang="en-US" altLang="ko-KR" sz="1400" spc="-150" dirty="0" smtClean="0">
+                <a:solidFill>
+                  <a:schemeClr val="bg1"/>
+                </a:solidFill>
+                <a:latin typeface="나눔명조" pitchFamily="18" charset="-127"/>
+                <a:ea typeface="나눔명조" pitchFamily="18" charset="-127"/>
+              </a:rPr>
+              <a:t>  </a:t>
+            </a:r>
+            <a:br>
+              <a:rPr lang="en-US" altLang="ko-KR" sz="1400" spc="-150" dirty="0" smtClean="0">
+                <a:solidFill>
+                  <a:schemeClr val="bg1"/>
+                </a:solidFill>
+                <a:latin typeface="나눔명조" pitchFamily="18" charset="-127"/>
+                <a:ea typeface="나눔명조" pitchFamily="18" charset="-127"/>
+              </a:rPr>
+            </a:br>
+            <a:r>
+              <a:rPr lang="en-US" altLang="ko-KR" sz="1400" spc="-150" dirty="0" smtClean="0">
+                <a:solidFill>
+                  <a:schemeClr val="bg1"/>
+                </a:solidFill>
+                <a:latin typeface="나눔명조" pitchFamily="18" charset="-127"/>
+                <a:ea typeface="나눔명조" pitchFamily="18" charset="-127"/>
+              </a:rPr>
+              <a:t>   </a:t>
+            </a:r>
+            <a:r>
+              <a:rPr lang="ko-KR" altLang="en-US" sz="1400" spc="-150" dirty="0" smtClean="0">
+                <a:solidFill>
+                  <a:schemeClr val="bg1"/>
+                </a:solidFill>
+                <a:latin typeface="나눔명조" pitchFamily="18" charset="-127"/>
+                <a:ea typeface="나눔명조" pitchFamily="18" charset="-127"/>
+              </a:rPr>
+              <a:t>와 고민을 많이해야됨</a:t>
+            </a:r>
+            <a:r>
+              <a:rPr lang="en-US" altLang="ko-KR" sz="1400" spc="-150" dirty="0" smtClean="0">
+                <a:solidFill>
+                  <a:schemeClr val="bg1"/>
+                </a:solidFill>
+                <a:latin typeface="나눔명조" pitchFamily="18" charset="-127"/>
+                <a:ea typeface="나눔명조" pitchFamily="18" charset="-127"/>
+              </a:rPr>
+              <a:t>. </a:t>
+            </a:r>
+            <a:r>
+              <a:rPr lang="en-US" altLang="ko-KR" sz="1400" spc="-150" dirty="0" smtClean="0">
+                <a:solidFill>
+                  <a:schemeClr val="bg1"/>
+                </a:solidFill>
+                <a:latin typeface="나눔명조" pitchFamily="18" charset="-127"/>
+                <a:ea typeface="나눔명조" pitchFamily="18" charset="-127"/>
+              </a:rPr>
+              <a:t/>
+            </a:r>
+            <a:br>
+              <a:rPr lang="en-US" altLang="ko-KR" sz="1400" spc="-150" dirty="0" smtClean="0">
+                <a:solidFill>
+                  <a:schemeClr val="bg1"/>
+                </a:solidFill>
+                <a:latin typeface="나눔명조" pitchFamily="18" charset="-127"/>
+                <a:ea typeface="나눔명조" pitchFamily="18" charset="-127"/>
+              </a:rPr>
+            </a:br>
+            <a:r>
+              <a:rPr lang="en-US" altLang="ko-KR" sz="1400" spc="-150" dirty="0" smtClean="0">
+                <a:solidFill>
+                  <a:schemeClr val="bg1"/>
+                </a:solidFill>
+                <a:latin typeface="나눔명조" pitchFamily="18" charset="-127"/>
+                <a:ea typeface="나눔명조" pitchFamily="18" charset="-127"/>
+              </a:rPr>
+              <a:t>- </a:t>
+            </a:r>
+            <a:r>
+              <a:rPr lang="ko-KR" altLang="en-US" sz="1400" spc="-150" dirty="0" smtClean="0">
+                <a:solidFill>
+                  <a:schemeClr val="bg1"/>
+                </a:solidFill>
+                <a:latin typeface="나눔명조" pitchFamily="18" charset="-127"/>
+                <a:ea typeface="나눔명조" pitchFamily="18" charset="-127"/>
+              </a:rPr>
+              <a:t>하지만 국민 대부분이 쓴다는 </a:t>
+            </a:r>
+            <a:r>
+              <a:rPr lang="ko-KR" altLang="en-US" sz="1400" spc="-150" dirty="0" smtClean="0">
+                <a:solidFill>
+                  <a:schemeClr val="bg1"/>
+                </a:solidFill>
+                <a:latin typeface="나눔명조" pitchFamily="18" charset="-127"/>
+                <a:ea typeface="나눔명조" pitchFamily="18" charset="-127"/>
+              </a:rPr>
+              <a:t> </a:t>
+            </a:r>
+            <a:r>
+              <a:rPr lang="ko-KR" altLang="en-US" sz="1400" spc="-150" dirty="0" smtClean="0">
+                <a:solidFill>
+                  <a:schemeClr val="bg1"/>
+                </a:solidFill>
+                <a:latin typeface="나눔명조" pitchFamily="18" charset="-127"/>
+                <a:ea typeface="나눔명조" pitchFamily="18" charset="-127"/>
+              </a:rPr>
+              <a:t>강력한 장점으로</a:t>
+            </a:r>
+            <a:r>
+              <a:rPr lang="en-US" altLang="ko-KR" sz="1400" spc="-150" dirty="0" smtClean="0">
+                <a:solidFill>
+                  <a:schemeClr val="bg1"/>
+                </a:solidFill>
+                <a:latin typeface="나눔명조" pitchFamily="18" charset="-127"/>
+                <a:ea typeface="나눔명조" pitchFamily="18" charset="-127"/>
+              </a:rPr>
+              <a:t>, </a:t>
+            </a:r>
+            <a:r>
+              <a:rPr lang="ko-KR" altLang="en-US" sz="1400" spc="-150" dirty="0" smtClean="0">
+                <a:solidFill>
+                  <a:schemeClr val="bg1"/>
+                </a:solidFill>
+                <a:latin typeface="나눔명조" pitchFamily="18" charset="-127"/>
+                <a:ea typeface="나눔명조" pitchFamily="18" charset="-127"/>
+              </a:rPr>
+              <a:t>웹이나 다른 서비스로 </a:t>
+            </a:r>
+            <a:r>
+              <a:rPr lang="ko-KR" altLang="en-US" sz="1400" spc="-150" dirty="0" err="1" smtClean="0">
+                <a:solidFill>
+                  <a:schemeClr val="bg1"/>
+                </a:solidFill>
+                <a:latin typeface="나눔명조" pitchFamily="18" charset="-127"/>
+                <a:ea typeface="나눔명조" pitchFamily="18" charset="-127"/>
+              </a:rPr>
+              <a:t>유도하</a:t>
+            </a:r>
+            <a:r>
+              <a:rPr lang="en-US" altLang="ko-KR" sz="1400" spc="-150" dirty="0" smtClean="0">
+                <a:solidFill>
+                  <a:schemeClr val="bg1"/>
+                </a:solidFill>
+                <a:latin typeface="나눔명조" pitchFamily="18" charset="-127"/>
+                <a:ea typeface="나눔명조" pitchFamily="18" charset="-127"/>
+              </a:rPr>
+              <a:t/>
+            </a:r>
+            <a:br>
+              <a:rPr lang="en-US" altLang="ko-KR" sz="1400" spc="-150" dirty="0" smtClean="0">
+                <a:solidFill>
+                  <a:schemeClr val="bg1"/>
+                </a:solidFill>
+                <a:latin typeface="나눔명조" pitchFamily="18" charset="-127"/>
+                <a:ea typeface="나눔명조" pitchFamily="18" charset="-127"/>
+              </a:rPr>
+            </a:br>
+            <a:r>
+              <a:rPr lang="en-US" altLang="ko-KR" sz="1400" spc="-150" dirty="0" smtClean="0">
+                <a:solidFill>
+                  <a:schemeClr val="bg1"/>
+                </a:solidFill>
+                <a:latin typeface="나눔명조" pitchFamily="18" charset="-127"/>
+                <a:ea typeface="나눔명조" pitchFamily="18" charset="-127"/>
+              </a:rPr>
+              <a:t>   </a:t>
+            </a:r>
+            <a:r>
+              <a:rPr lang="ko-KR" altLang="en-US" sz="1400" spc="-150" dirty="0" smtClean="0">
+                <a:solidFill>
+                  <a:schemeClr val="bg1"/>
+                </a:solidFill>
+                <a:latin typeface="나눔명조" pitchFamily="18" charset="-127"/>
+                <a:ea typeface="나눔명조" pitchFamily="18" charset="-127"/>
+              </a:rPr>
+              <a:t>는  입구의 역할로는 최고라 생각함</a:t>
+            </a:r>
+            <a:r>
+              <a:rPr lang="en-US" altLang="ko-KR" sz="1400" spc="-150" dirty="0" smtClean="0">
+                <a:solidFill>
+                  <a:schemeClr val="bg1"/>
+                </a:solidFill>
+                <a:latin typeface="나눔명조" pitchFamily="18" charset="-127"/>
+                <a:ea typeface="나눔명조" pitchFamily="18" charset="-127"/>
+              </a:rPr>
+              <a:t>.</a:t>
+            </a:r>
+            <a:br>
+              <a:rPr lang="en-US" altLang="ko-KR" sz="1400" spc="-150" dirty="0" smtClean="0">
+                <a:solidFill>
+                  <a:schemeClr val="bg1"/>
+                </a:solidFill>
+                <a:latin typeface="나눔명조" pitchFamily="18" charset="-127"/>
+                <a:ea typeface="나눔명조" pitchFamily="18" charset="-127"/>
+              </a:rPr>
+            </a:br>
+            <a:r>
+              <a:rPr lang="en-US" altLang="ko-KR" sz="1400" spc="-150" dirty="0" smtClean="0">
+                <a:solidFill>
+                  <a:schemeClr val="bg1"/>
+                </a:solidFill>
+                <a:latin typeface="나눔명조" pitchFamily="18" charset="-127"/>
+                <a:ea typeface="나눔명조" pitchFamily="18" charset="-127"/>
+              </a:rPr>
+              <a:t>- Spring </a:t>
+            </a:r>
+            <a:r>
+              <a:rPr lang="ko-KR" altLang="en-US" sz="1400" spc="-150" dirty="0" smtClean="0">
+                <a:solidFill>
+                  <a:schemeClr val="bg1"/>
+                </a:solidFill>
+                <a:latin typeface="나눔명조" pitchFamily="18" charset="-127"/>
+                <a:ea typeface="나눔명조" pitchFamily="18" charset="-127"/>
+              </a:rPr>
+              <a:t>말고 더 간편한 웹 서비스 제작 도구의 필요성 느낌</a:t>
+            </a:r>
+            <a:r>
+              <a:rPr lang="en-US" altLang="ko-KR" sz="1400" spc="-150" dirty="0" smtClean="0">
+                <a:solidFill>
+                  <a:schemeClr val="bg1"/>
+                </a:solidFill>
+                <a:latin typeface="나눔명조" pitchFamily="18" charset="-127"/>
+                <a:ea typeface="나눔명조" pitchFamily="18" charset="-127"/>
+              </a:rPr>
+              <a:t>.</a:t>
+            </a:r>
+            <a:r>
+              <a:rPr lang="ko-KR" altLang="en-US" sz="1400" spc="-150" dirty="0" smtClean="0">
+                <a:solidFill>
+                  <a:schemeClr val="bg1"/>
+                </a:solidFill>
+                <a:latin typeface="나눔명조" pitchFamily="18" charset="-127"/>
+                <a:ea typeface="나눔명조" pitchFamily="18" charset="-127"/>
+              </a:rPr>
+              <a:t>  </a:t>
+            </a:r>
+            <a:r>
+              <a:rPr lang="en-US" altLang="ko-KR" sz="1400" spc="-150" dirty="0" smtClean="0">
+                <a:solidFill>
+                  <a:schemeClr val="bg1"/>
+                </a:solidFill>
+                <a:latin typeface="나눔명조" pitchFamily="18" charset="-127"/>
+                <a:ea typeface="나눔명조" pitchFamily="18" charset="-127"/>
+              </a:rPr>
+              <a:t>-&gt; node.js </a:t>
+            </a:r>
+            <a:r>
+              <a:rPr lang="ko-KR" altLang="en-US" sz="1400" spc="-150" dirty="0" smtClean="0">
+                <a:solidFill>
+                  <a:schemeClr val="bg1"/>
+                </a:solidFill>
+                <a:latin typeface="나눔명조" pitchFamily="18" charset="-127"/>
+                <a:ea typeface="나눔명조" pitchFamily="18" charset="-127"/>
+              </a:rPr>
+              <a:t>학</a:t>
+            </a:r>
+            <a:r>
+              <a:rPr lang="ko-KR" altLang="en-US" sz="1400" spc="-150" dirty="0" smtClean="0">
+                <a:solidFill>
+                  <a:schemeClr val="bg1"/>
+                </a:solidFill>
+                <a:latin typeface="나눔명조" pitchFamily="18" charset="-127"/>
+                <a:ea typeface="나눔명조" pitchFamily="18" charset="-127"/>
+              </a:rPr>
+              <a:t>습</a:t>
+            </a:r>
+            <a:endParaRPr lang="en-US" altLang="ko-KR" sz="1400" spc="-150" dirty="0" smtClean="0">
+              <a:solidFill>
+                <a:schemeClr val="bg1"/>
+              </a:solidFill>
+              <a:latin typeface="나눔명조" pitchFamily="18" charset="-127"/>
+              <a:ea typeface="나눔명조" pitchFamily="18" charset="-127"/>
+            </a:endParaRPr>
+          </a:p>
+          <a:p>
+            <a:pPr marL="342900" indent="-342900">
+              <a:buAutoNum type="arabicPeriod"/>
             </a:pPr>
-            <a:r>
-              <a:rPr lang="ko-KR" altLang="en-US" sz="2400" dirty="0" err="1" smtClean="0"/>
-              <a:t>느낀점</a:t>
-            </a:r>
-            <a:endParaRPr lang="en-US" altLang="ko-KR" sz="2400" dirty="0" smtClean="0"/>
-          </a:p>
-          <a:p>
-            <a:pPr>
-              <a:buFontTx/>
-              <a:buChar char="-"/>
-            </a:pPr>
-            <a:r>
-              <a:rPr lang="ko-KR" altLang="en-US" sz="2400" dirty="0" smtClean="0"/>
-              <a:t>기존의 기술</a:t>
-            </a:r>
-            <a:r>
-              <a:rPr lang="en-US" altLang="ko-KR" sz="2400" dirty="0" smtClean="0"/>
-              <a:t>STACK</a:t>
-            </a:r>
-            <a:r>
-              <a:rPr lang="ko-KR" altLang="en-US" sz="2400" dirty="0" smtClean="0"/>
-              <a:t>인 스프링 </a:t>
-            </a:r>
-            <a:r>
-              <a:rPr lang="en-US" altLang="ko-KR" sz="2400" dirty="0" smtClean="0"/>
-              <a:t>+ RDBMS</a:t>
-            </a:r>
-            <a:r>
-              <a:rPr lang="ko-KR" altLang="en-US" sz="2400" dirty="0" smtClean="0"/>
-              <a:t>로는 부수적인 작업들이 많이 들어간다고 느낌</a:t>
-            </a:r>
-            <a:endParaRPr lang="en-US" altLang="ko-KR" sz="2400" dirty="0" smtClean="0"/>
-          </a:p>
-          <a:p>
-            <a:pPr>
-              <a:buFontTx/>
-              <a:buChar char="-"/>
-            </a:pPr>
-            <a:r>
-              <a:rPr lang="ko-KR" altLang="en-US" sz="2400" dirty="0" smtClean="0"/>
-              <a:t>돌아가는 상태의 템플릿들을 만들어 놔야 되겠다고 느낌</a:t>
-            </a:r>
-            <a:endParaRPr lang="en-US" altLang="ko-KR" sz="2400" dirty="0" smtClean="0"/>
-          </a:p>
-          <a:p>
-            <a:pPr>
-              <a:buFontTx/>
-              <a:buChar char="-"/>
-            </a:pPr>
-            <a:r>
-              <a:rPr lang="en-US" altLang="ko-KR" sz="2400" dirty="0" smtClean="0"/>
-              <a:t>FRONT</a:t>
-            </a:r>
-            <a:r>
-              <a:rPr lang="ko-KR" altLang="en-US" sz="2400" dirty="0" smtClean="0"/>
-              <a:t>가 무엇이냐에 따라 </a:t>
-            </a:r>
-            <a:r>
-              <a:rPr lang="en-US" altLang="ko-KR" sz="2400" dirty="0" smtClean="0"/>
-              <a:t>BACK</a:t>
-            </a:r>
-            <a:r>
-              <a:rPr lang="ko-KR" altLang="en-US" sz="2400" dirty="0" smtClean="0"/>
-              <a:t>단의 설계가 많이 달라짐을 느낌 </a:t>
-            </a:r>
-            <a:r>
-              <a:rPr lang="en-US" altLang="ko-KR" sz="2400" dirty="0" smtClean="0"/>
-              <a:t>– </a:t>
-            </a:r>
-            <a:r>
-              <a:rPr lang="ko-KR" altLang="en-US" sz="2400" dirty="0" smtClean="0"/>
-              <a:t>개인적으로 받을 수 있는 </a:t>
-            </a:r>
-            <a:r>
-              <a:rPr lang="en-US" altLang="ko-KR" sz="2400" dirty="0" smtClean="0"/>
-              <a:t>input </a:t>
-            </a:r>
-            <a:r>
-              <a:rPr lang="ko-KR" altLang="en-US" sz="2400" dirty="0" smtClean="0"/>
-              <a:t>개수가 </a:t>
-            </a:r>
-            <a:r>
-              <a:rPr lang="ko-KR" altLang="en-US" sz="2400" dirty="0" err="1" smtClean="0"/>
-              <a:t>웹화면과</a:t>
-            </a:r>
-            <a:r>
-              <a:rPr lang="ko-KR" altLang="en-US" sz="2400" dirty="0" smtClean="0"/>
-              <a:t> 달리 적어서</a:t>
-            </a:r>
-            <a:r>
-              <a:rPr lang="en-US" altLang="ko-KR" sz="2400" dirty="0" smtClean="0"/>
-              <a:t>, </a:t>
-            </a:r>
-            <a:r>
-              <a:rPr lang="ko-KR" altLang="en-US" sz="2400" dirty="0" smtClean="0"/>
-              <a:t>더 많은 노동이 필요하다는 걸 느낌</a:t>
-            </a:r>
-            <a:r>
-              <a:rPr lang="en-US" altLang="ko-KR" sz="2400" dirty="0" smtClean="0"/>
-              <a:t>.</a:t>
-            </a:r>
-          </a:p>
-          <a:p>
-            <a:pPr>
-              <a:buFontTx/>
-              <a:buChar char="-"/>
-            </a:pPr>
-            <a:r>
-              <a:rPr lang="ko-KR" altLang="en-US" sz="2400" dirty="0" smtClean="0"/>
-              <a:t>하지만 유입이 쉽다는 걸로 모든 걸 커버</a:t>
-            </a:r>
-            <a:r>
-              <a:rPr lang="en-US" altLang="ko-KR" sz="2400" dirty="0" smtClean="0"/>
-              <a:t>, </a:t>
-            </a:r>
-            <a:r>
-              <a:rPr lang="ko-KR" altLang="en-US" sz="2400" dirty="0" smtClean="0"/>
-              <a:t>웹으로 들어가는 입구역할이 가장 좋을 듯</a:t>
-            </a:r>
-            <a:r>
-              <a:rPr lang="en-US" altLang="ko-KR" sz="2400" dirty="0" smtClean="0"/>
-              <a:t>.</a:t>
-            </a:r>
-            <a:r>
-              <a:rPr lang="ko-KR" altLang="en-US" sz="2400" dirty="0" smtClean="0"/>
-              <a:t> </a:t>
-            </a:r>
-            <a:endParaRPr lang="en-US" altLang="ko-KR" sz="2400" dirty="0" smtClean="0"/>
+            <a:endParaRPr lang="ko-KR" altLang="en-US" sz="1400" spc="-150" dirty="0">
+              <a:solidFill>
+                <a:schemeClr val="bg1"/>
+              </a:solidFill>
+              <a:latin typeface="나눔명조" pitchFamily="18" charset="-127"/>
+              <a:ea typeface="나눔명조" pitchFamily="18" charset="-127"/>
+            </a:endParaRPr>
+          </a:p>
+        </p:txBody>
+      </p:sp>
+      <p:sp>
+        <p:nvSpPr>
+          <p:cNvPr id="18" name="TextBox 17"/>
+          <p:cNvSpPr txBox="1"/>
+          <p:nvPr/>
+        </p:nvSpPr>
+        <p:spPr>
+          <a:xfrm>
+            <a:off x="1907704" y="444028"/>
+            <a:ext cx="5400600" cy="369332"/>
+          </a:xfrm>
+          <a:prstGeom prst="rect">
+            <a:avLst/>
+          </a:prstGeom>
+          <a:noFill/>
+        </p:spPr>
+        <p:txBody>
+          <a:bodyPr wrap="square" rtlCol="0">
+            <a:spAutoFit/>
+          </a:bodyPr>
+          <a:lstStyle/>
+          <a:p>
+            <a:pPr marL="342900" indent="-342900" algn="ctr"/>
+            <a:r>
+              <a:rPr lang="en-US" altLang="ko-KR" spc="-150" dirty="0" smtClean="0">
+                <a:solidFill>
+                  <a:schemeClr val="bg1"/>
+                </a:solidFill>
+                <a:latin typeface="나눔명조" pitchFamily="18" charset="-127"/>
+                <a:ea typeface="나눔명조" pitchFamily="18" charset="-127"/>
+              </a:rPr>
+              <a:t>- </a:t>
+            </a:r>
+            <a:r>
+              <a:rPr lang="ko-KR" altLang="en-US" spc="-150" dirty="0" smtClean="0">
+                <a:solidFill>
+                  <a:schemeClr val="bg1"/>
+                </a:solidFill>
+                <a:latin typeface="나눔명조" pitchFamily="18" charset="-127"/>
+                <a:ea typeface="나눔명조" pitchFamily="18" charset="-127"/>
+              </a:rPr>
+              <a:t>카카오 </a:t>
+            </a:r>
+            <a:r>
+              <a:rPr lang="ko-KR" altLang="en-US" spc="-150" dirty="0" err="1" smtClean="0">
+                <a:solidFill>
+                  <a:schemeClr val="bg1"/>
+                </a:solidFill>
+                <a:latin typeface="나눔명조" pitchFamily="18" charset="-127"/>
+                <a:ea typeface="나눔명조" pitchFamily="18" charset="-127"/>
+              </a:rPr>
+              <a:t>챗봇</a:t>
+            </a:r>
+            <a:r>
+              <a:rPr lang="ko-KR" altLang="en-US" spc="-150" dirty="0" smtClean="0">
+                <a:solidFill>
+                  <a:schemeClr val="bg1"/>
+                </a:solidFill>
+                <a:latin typeface="나눔명조" pitchFamily="18" charset="-127"/>
+                <a:ea typeface="나눔명조" pitchFamily="18" charset="-127"/>
+              </a:rPr>
+              <a:t> 화면으로 </a:t>
+            </a:r>
+            <a:r>
+              <a:rPr lang="en-US" altLang="ko-KR" spc="-150" dirty="0" smtClean="0">
+                <a:solidFill>
+                  <a:schemeClr val="bg1"/>
+                </a:solidFill>
+                <a:latin typeface="나눔명조" pitchFamily="18" charset="-127"/>
+                <a:ea typeface="나눔명조" pitchFamily="18" charset="-127"/>
+              </a:rPr>
+              <a:t>CRUD</a:t>
+            </a:r>
+            <a:r>
+              <a:rPr lang="ko-KR" altLang="en-US" spc="-150" dirty="0" smtClean="0">
+                <a:solidFill>
+                  <a:schemeClr val="bg1"/>
+                </a:solidFill>
+                <a:latin typeface="나눔명조" pitchFamily="18" charset="-127"/>
+                <a:ea typeface="나눔명조" pitchFamily="18" charset="-127"/>
+              </a:rPr>
+              <a:t> 실습</a:t>
+            </a:r>
+            <a:endParaRPr lang="ko-KR" altLang="en-US" spc="-150" dirty="0">
+              <a:solidFill>
+                <a:schemeClr val="bg1"/>
+              </a:solidFill>
+              <a:latin typeface="나눔명조" pitchFamily="18" charset="-127"/>
+              <a:ea typeface="나눔명조" pitchFamily="18" charset="-127"/>
+            </a:endParaRPr>
           </a:p>
         </p:txBody>
       </p:sp>
@@ -5121,16 +5797,16 @@
           <a:lstStyle/>
           <a:p>
             <a:r>
+              <a:rPr lang="ko-KR" altLang="en-US" dirty="0" smtClean="0"/>
+              <a:t>카카오로 </a:t>
+            </a:r>
+            <a:r>
               <a:rPr lang="en-US" altLang="ko-KR" dirty="0" smtClean="0"/>
-              <a:t>2. </a:t>
-            </a:r>
-            <a:r>
-              <a:rPr lang="en-US" altLang="ko-KR" dirty="0" err="1" smtClean="0"/>
-              <a:t>git</a:t>
-            </a:r>
-            <a:r>
-              <a:rPr lang="en-US" altLang="ko-KR" dirty="0" smtClean="0"/>
-              <a:t>-imager</a:t>
+              <a:t>CRUD </a:t>
+            </a:r>
+            <a:r>
+              <a:rPr lang="ko-KR" altLang="en-US" dirty="0" smtClean="0"/>
+              <a:t>실습</a:t>
             </a:r>
             <a:endParaRPr lang="ko-KR" altLang="en-US" dirty="0"/>
           </a:p>
@@ -5154,10 +5830,10 @@
           <a:lstStyle/>
           <a:p>
             <a:r>
-              <a:rPr lang="ko-KR" altLang="en-US" dirty="0" smtClean="0"/>
+              <a:rPr lang="ko-KR" altLang="en-US" sz="2400" dirty="0" smtClean="0"/>
               <a:t>목표</a:t>
             </a:r>
-            <a:endParaRPr lang="en-US" altLang="ko-KR" dirty="0" smtClean="0"/>
+            <a:endParaRPr lang="en-US" altLang="ko-KR" sz="2400" dirty="0" smtClean="0"/>
           </a:p>
           <a:p>
             <a:pPr>
@@ -5165,42 +5841,26 @@
               <a:buChar char="-"/>
             </a:pPr>
             <a:r>
-              <a:rPr lang="en-US" altLang="ko-KR" dirty="0" err="1" smtClean="0"/>
-              <a:t>Img</a:t>
-            </a:r>
-            <a:r>
-              <a:rPr lang="ko-KR" altLang="en-US" dirty="0" smtClean="0"/>
-              <a:t>나 </a:t>
-            </a:r>
-            <a:r>
-              <a:rPr lang="en-US" altLang="ko-KR" dirty="0" smtClean="0"/>
-              <a:t>gif</a:t>
-            </a:r>
-            <a:r>
-              <a:rPr lang="ko-KR" altLang="en-US" dirty="0" smtClean="0"/>
-              <a:t>가 들어간 </a:t>
-            </a:r>
-            <a:r>
-              <a:rPr lang="en-US" altLang="ko-KR" dirty="0" smtClean="0"/>
-              <a:t>html</a:t>
-            </a:r>
-            <a:r>
-              <a:rPr lang="ko-KR" altLang="en-US" dirty="0" smtClean="0"/>
-              <a:t>을 만들때 깔끔한 </a:t>
-            </a:r>
-            <a:r>
-              <a:rPr lang="en-US" altLang="ko-KR" dirty="0" err="1" smtClean="0"/>
-              <a:t>url</a:t>
-            </a:r>
-            <a:r>
-              <a:rPr lang="ko-KR" altLang="en-US" dirty="0" smtClean="0"/>
-              <a:t>을 만들기 위해서는 파일을 저장하고 주소를 따는 일련의 작업이 필요</a:t>
-            </a:r>
-            <a:r>
-              <a:rPr lang="en-US" altLang="ko-KR" dirty="0" smtClean="0"/>
-              <a:t>. </a:t>
-            </a:r>
-            <a:endParaRPr lang="en-US" altLang="ko-KR" dirty="0"/>
+              <a:rPr lang="ko-KR" altLang="en-US" sz="2400" dirty="0" smtClean="0"/>
+              <a:t>카카오 화면을 접점으로 </a:t>
+            </a:r>
+            <a:r>
+              <a:rPr lang="en-US" altLang="ko-KR" sz="2400" dirty="0" smtClean="0"/>
+              <a:t>DB</a:t>
+            </a:r>
+            <a:r>
+              <a:rPr lang="ko-KR" altLang="en-US" sz="2400" dirty="0" smtClean="0"/>
+              <a:t>까지 갔다가 돌아오는 </a:t>
+            </a:r>
+            <a:r>
+              <a:rPr lang="en-US" altLang="ko-KR" sz="2400" dirty="0" smtClean="0"/>
+              <a:t>CRUD </a:t>
+            </a:r>
+            <a:r>
+              <a:rPr lang="ko-KR" altLang="en-US" sz="2400" dirty="0" smtClean="0"/>
+              <a:t>작업 </a:t>
+            </a:r>
+            <a:endParaRPr lang="en-US" altLang="ko-KR" sz="2400" dirty="0" smtClean="0"/>
           </a:p>
           <a:p>
             <a:pPr>
@@ -5208,30 +5868,10 @@
               <a:buChar char="-"/>
             </a:pPr>
             <a:r>
-              <a:rPr lang="ko-KR" altLang="en-US" dirty="0" smtClean="0"/>
-              <a:t>무료 저장소를 이용한 쉬운 방법이 없을 까 생각하다 </a:t>
-            </a:r>
-            <a:r>
-              <a:rPr lang="en-US" altLang="ko-KR" dirty="0" err="1" smtClean="0"/>
-              <a:t>git</a:t>
-            </a:r>
-            <a:r>
-              <a:rPr lang="en-US" altLang="ko-KR" dirty="0" smtClean="0"/>
-              <a:t>-hub</a:t>
-            </a:r>
-            <a:r>
-              <a:rPr lang="ko-KR" altLang="en-US" dirty="0" smtClean="0"/>
-              <a:t>을 이용해 </a:t>
-            </a:r>
-            <a:r>
-              <a:rPr lang="en-US" altLang="ko-KR" dirty="0" err="1" smtClean="0"/>
-              <a:t>url</a:t>
-            </a:r>
-            <a:r>
-              <a:rPr lang="ko-KR" altLang="en-US" dirty="0" smtClean="0"/>
-              <a:t>을 생성하는 모듈 고안</a:t>
-            </a:r>
-            <a:endParaRPr lang="en-US" altLang="ko-KR" dirty="0" smtClean="0"/>
+              <a:rPr lang="ko-KR" altLang="en-US" sz="2400" dirty="0" err="1" smtClean="0"/>
+              <a:t>얻은점</a:t>
+            </a:r>
+            <a:endParaRPr lang="en-US" altLang="ko-KR" sz="2400" dirty="0" smtClean="0"/>
           </a:p>
           <a:p>
             <a:pPr>
@@ -5239,34 +5879,30 @@
               <a:buChar char="-"/>
             </a:pPr>
             <a:r>
-              <a:rPr lang="ko-KR" altLang="en-US" dirty="0" err="1" smtClean="0"/>
-              <a:t>얻은점</a:t>
-            </a:r>
-            <a:r>
-              <a:rPr lang="ko-KR" altLang="en-US" dirty="0" smtClean="0"/>
+              <a:rPr lang="en-US" altLang="ko-KR" sz="2400" dirty="0" smtClean="0"/>
+              <a:t>AWS</a:t>
+            </a:r>
+            <a:r>
+              <a:rPr lang="ko-KR" altLang="en-US" sz="2400" dirty="0" smtClean="0"/>
+              <a:t>를 활용해 </a:t>
+            </a:r>
+            <a:r>
+              <a:rPr lang="ko-KR" altLang="en-US" sz="2400" dirty="0" err="1" smtClean="0"/>
+              <a:t>자바웹</a:t>
+            </a:r>
+            <a:r>
+              <a:rPr lang="ko-KR" altLang="en-US" sz="2400" dirty="0" smtClean="0"/>
               <a:t> </a:t>
             </a:r>
             <a:r>
-              <a:rPr lang="en-US" altLang="ko-KR" dirty="0" smtClean="0"/>
-              <a:t>: public</a:t>
-            </a:r>
-            <a:r>
-              <a:rPr lang="ko-KR" altLang="en-US" dirty="0" smtClean="0"/>
-              <a:t>하게 쓸 수 있는 모듈로</a:t>
-            </a:r>
-            <a:r>
-              <a:rPr lang="en-US" altLang="ko-KR" dirty="0" smtClean="0"/>
-              <a:t>, </a:t>
-            </a:r>
-            <a:r>
-              <a:rPr lang="ko-KR" altLang="en-US" dirty="0" smtClean="0"/>
-              <a:t>공헌해보는 경험</a:t>
-            </a:r>
-            <a:r>
-              <a:rPr lang="en-US" altLang="ko-KR" dirty="0" smtClean="0"/>
-              <a:t>. </a:t>
-            </a:r>
-            <a:endParaRPr lang="en-US" altLang="ko-KR" dirty="0"/>
+              <a:rPr lang="en-US" altLang="ko-KR" sz="2400" dirty="0" smtClean="0"/>
+              <a:t>deploy </a:t>
+            </a:r>
+            <a:r>
+              <a:rPr lang="ko-KR" altLang="en-US" sz="2400" dirty="0" smtClean="0"/>
+              <a:t>경험</a:t>
+            </a:r>
+            <a:endParaRPr lang="en-US" altLang="ko-KR" sz="2400" dirty="0" smtClean="0"/>
           </a:p>
           <a:p>
             <a:pPr>
@@ -5274,31 +5910,133 @@
               <a:buChar char="-"/>
             </a:pPr>
             <a:r>
-              <a:rPr lang="en-US" altLang="ko-KR" dirty="0" err="1" smtClean="0"/>
-              <a:t>Javascript</a:t>
-            </a:r>
-            <a:r>
-              <a:rPr lang="en-US" altLang="ko-KR" dirty="0" smtClean="0"/>
-              <a:t> </a:t>
-            </a:r>
-            <a:r>
-              <a:rPr lang="ko-KR" altLang="en-US" dirty="0" smtClean="0"/>
-              <a:t>기반으로 웹을 짤 때 디자인 패턴이 확연히 다름을 느낌</a:t>
-            </a:r>
-            <a:r>
-              <a:rPr lang="en-US" altLang="ko-KR" dirty="0" smtClean="0"/>
-              <a:t>.</a:t>
-            </a:r>
+              <a:rPr lang="ko-KR" altLang="en-US" sz="2400" dirty="0" err="1" smtClean="0"/>
+              <a:t>느낀점</a:t>
+            </a:r>
+            <a:endParaRPr lang="en-US" altLang="ko-KR" sz="2400" dirty="0" smtClean="0"/>
           </a:p>
           <a:p>
             <a:pPr>
               <a:buFontTx/>
               <a:buChar char="-"/>
             </a:pPr>
-            <a:endParaRPr lang="en-US" altLang="ko-KR" dirty="0" smtClean="0"/>
-          </a:p>
-          <a:p>
-            <a:endParaRPr lang="ko-KR" altLang="en-US" dirty="0"/>
+            <a:r>
+              <a:rPr lang="ko-KR" altLang="en-US" sz="2400" dirty="0" smtClean="0"/>
+              <a:t>기존의 기술</a:t>
+            </a:r>
+            <a:r>
+              <a:rPr lang="en-US" altLang="ko-KR" sz="2400" dirty="0" smtClean="0"/>
+              <a:t>STACK</a:t>
+            </a:r>
+            <a:r>
+              <a:rPr lang="ko-KR" altLang="en-US" sz="2400" dirty="0" smtClean="0"/>
+              <a:t>인 스프링 </a:t>
+            </a:r>
+            <a:r>
+              <a:rPr lang="en-US" altLang="ko-KR" sz="2400" dirty="0" smtClean="0"/>
+              <a:t>+ RDBMS</a:t>
+            </a:r>
+            <a:r>
+              <a:rPr lang="ko-KR" altLang="en-US" sz="2400" dirty="0" smtClean="0"/>
+              <a:t>로는 부수적인 작업들이 많이 들어간다고 느낌</a:t>
+            </a:r>
+            <a:endParaRPr lang="en-US" altLang="ko-KR" sz="2400" dirty="0" smtClean="0"/>
+          </a:p>
+          <a:p>
+            <a:pPr>
+              <a:buFontTx/>
+              <a:buChar char="-"/>
+            </a:pPr>
+            <a:r>
+              <a:rPr lang="ko-KR" altLang="en-US" sz="2400" dirty="0" smtClean="0"/>
+              <a:t>돌아가는 상태의 템플릿들을 만들어 놔야 되겠다고 느낌</a:t>
+            </a:r>
+            <a:endParaRPr lang="en-US" altLang="ko-KR" sz="2400" dirty="0" smtClean="0"/>
+          </a:p>
+          <a:p>
+            <a:pPr>
+              <a:buFontTx/>
+              <a:buChar char="-"/>
+            </a:pPr>
+            <a:r>
+              <a:rPr lang="en-US" altLang="ko-KR" sz="2400" dirty="0" smtClean="0"/>
+              <a:t>FRONT</a:t>
+            </a:r>
+            <a:r>
+              <a:rPr lang="ko-KR" altLang="en-US" sz="2400" dirty="0" smtClean="0"/>
+              <a:t>가 무엇이냐에 따라 </a:t>
+            </a:r>
+            <a:r>
+              <a:rPr lang="en-US" altLang="ko-KR" sz="2400" dirty="0" smtClean="0"/>
+              <a:t>BACK</a:t>
+            </a:r>
+            <a:r>
+              <a:rPr lang="ko-KR" altLang="en-US" sz="2400" dirty="0" smtClean="0"/>
+              <a:t>단의 설계가 많이 달라짐을 느낌 </a:t>
+            </a:r>
+            <a:r>
+              <a:rPr lang="en-US" altLang="ko-KR" sz="2400" dirty="0" smtClean="0"/>
+              <a:t>– </a:t>
+            </a:r>
+            <a:r>
+              <a:rPr lang="ko-KR" altLang="en-US" sz="2400" dirty="0" smtClean="0"/>
+              <a:t>개인적으로 받을 수 있는 </a:t>
+            </a:r>
+            <a:r>
+              <a:rPr lang="en-US" altLang="ko-KR" sz="2400" dirty="0" smtClean="0"/>
+              <a:t>input </a:t>
+            </a:r>
+            <a:r>
+              <a:rPr lang="ko-KR" altLang="en-US" sz="2400" dirty="0" smtClean="0"/>
+              <a:t>개수가 </a:t>
+            </a:r>
+            <a:r>
+              <a:rPr lang="ko-KR" altLang="en-US" sz="2400" dirty="0" err="1" smtClean="0"/>
+              <a:t>웹화면과</a:t>
+            </a:r>
+            <a:r>
+              <a:rPr lang="ko-KR" altLang="en-US" sz="2400" dirty="0" smtClean="0"/>
+              <a:t> 달리 적어서</a:t>
+            </a:r>
+            <a:r>
+              <a:rPr lang="en-US" altLang="ko-KR" sz="2400" dirty="0" smtClean="0"/>
+              <a:t>, </a:t>
+            </a:r>
+            <a:r>
+              <a:rPr lang="ko-KR" altLang="en-US" sz="2400" dirty="0" smtClean="0"/>
+              <a:t>더 많은 노동이 필요하다는 걸 느낌</a:t>
+            </a:r>
+            <a:r>
+              <a:rPr lang="en-US" altLang="ko-KR" sz="2400" dirty="0" smtClean="0"/>
+              <a:t>.</a:t>
+            </a:r>
+          </a:p>
+          <a:p>
+            <a:pPr>
+              <a:buFontTx/>
+              <a:buChar char="-"/>
+            </a:pPr>
+            <a:r>
+              <a:rPr lang="ko-KR" altLang="en-US" sz="2400" dirty="0" smtClean="0"/>
+              <a:t>하지만 유입이 쉽다는 걸로 모든 걸 커버</a:t>
+            </a:r>
+            <a:r>
+              <a:rPr lang="en-US" altLang="ko-KR" sz="2400" dirty="0" smtClean="0"/>
+              <a:t>, </a:t>
+            </a:r>
+            <a:r>
+              <a:rPr lang="ko-KR" altLang="en-US" sz="2400" dirty="0" smtClean="0"/>
+              <a:t>웹으로 들어가는 입구역할이 가장 좋을 듯</a:t>
+            </a:r>
+            <a:r>
+              <a:rPr lang="en-US" altLang="ko-KR" sz="2400" dirty="0" smtClean="0"/>
+              <a:t>.</a:t>
+            </a:r>
+            <a:r>
+              <a:rPr lang="ko-KR" altLang="en-US" sz="2400" dirty="0" smtClean="0"/>
+              <a:t> </a:t>
+            </a:r>
+            <a:endParaRPr lang="en-US" altLang="ko-KR" sz="2400" dirty="0" smtClean="0"/>
           </a:p>
         </p:txBody>
       </p:sp>
@@ -5351,6 +6089,235 @@
           <a:p>
             <a:r>
               <a:rPr lang="en-US" altLang="ko-KR" dirty="0" smtClean="0"/>
+              <a:t>2. </a:t>
+            </a:r>
+            <a:r>
+              <a:rPr lang="en-US" altLang="ko-KR" dirty="0" err="1" smtClean="0"/>
+              <a:t>git</a:t>
+            </a:r>
+            <a:r>
+              <a:rPr lang="en-US" altLang="ko-KR" dirty="0" smtClean="0"/>
+              <a:t>-imager</a:t>
+            </a:r>
+            <a:endParaRPr lang="ko-KR" altLang="en-US" dirty="0"/>
+          </a:p>
+        </p:txBody>
+      </p:sp>
+      <p:sp>
+        <p:nvSpPr>
+          <p:cNvPr id="3" name="내용 개체 틀 2"/>
+          <p:cNvSpPr>
+            <a:spLocks noGrp="1"/>
+          </p:cNvSpPr>
+          <p:nvPr>
+            <p:ph idx="1"/>
+          </p:nvPr>
+        </p:nvSpPr>
+        <p:spPr/>
+        <p:txBody>
+          <a:bodyPr>
+            <a:normAutofit fontScale="70000" lnSpcReduction="20000"/>
+          </a:bodyPr>
+          <a:lstStyle/>
+          <a:p>
+            <a:r>
+              <a:rPr lang="ko-KR" altLang="en-US" dirty="0" smtClean="0"/>
+              <a:t>목표</a:t>
+            </a:r>
+            <a:endParaRPr lang="en-US" altLang="ko-KR" dirty="0" smtClean="0"/>
+          </a:p>
+          <a:p>
+            <a:pPr>
+              <a:buFontTx/>
+              <a:buChar char="-"/>
+            </a:pPr>
+            <a:r>
+              <a:rPr lang="en-US" altLang="ko-KR" dirty="0" err="1" smtClean="0"/>
+              <a:t>Img</a:t>
+            </a:r>
+            <a:r>
+              <a:rPr lang="ko-KR" altLang="en-US" dirty="0" smtClean="0"/>
+              <a:t>나 </a:t>
+            </a:r>
+            <a:r>
+              <a:rPr lang="en-US" altLang="ko-KR" dirty="0" smtClean="0"/>
+              <a:t>gif</a:t>
+            </a:r>
+            <a:r>
+              <a:rPr lang="ko-KR" altLang="en-US" dirty="0" smtClean="0"/>
+              <a:t>가 들어간 </a:t>
+            </a:r>
+            <a:r>
+              <a:rPr lang="en-US" altLang="ko-KR" dirty="0" smtClean="0"/>
+              <a:t>html</a:t>
+            </a:r>
+            <a:r>
+              <a:rPr lang="ko-KR" altLang="en-US" dirty="0" smtClean="0"/>
+              <a:t>을 만들때 깔끔한 </a:t>
+            </a:r>
+            <a:r>
+              <a:rPr lang="en-US" altLang="ko-KR" dirty="0" err="1" smtClean="0"/>
+              <a:t>url</a:t>
+            </a:r>
+            <a:r>
+              <a:rPr lang="ko-KR" altLang="en-US" dirty="0" smtClean="0"/>
+              <a:t>을 만들기 위해서는 파일을 저장하고 주소를 따는 일련의 작업이 필요</a:t>
+            </a:r>
+            <a:r>
+              <a:rPr lang="en-US" altLang="ko-KR" dirty="0" smtClean="0"/>
+              <a:t>. </a:t>
+            </a:r>
+            <a:endParaRPr lang="en-US" altLang="ko-KR" dirty="0"/>
+          </a:p>
+          <a:p>
+            <a:pPr>
+              <a:buFontTx/>
+              <a:buChar char="-"/>
+            </a:pPr>
+            <a:r>
+              <a:rPr lang="ko-KR" altLang="en-US" dirty="0" smtClean="0"/>
+              <a:t>무료 저장소를 이용한 쉬운 방법이 없을 까 생각하다 </a:t>
+            </a:r>
+            <a:r>
+              <a:rPr lang="en-US" altLang="ko-KR" dirty="0" err="1" smtClean="0"/>
+              <a:t>git</a:t>
+            </a:r>
+            <a:r>
+              <a:rPr lang="en-US" altLang="ko-KR" dirty="0" smtClean="0"/>
+              <a:t>-hub</a:t>
+            </a:r>
+            <a:r>
+              <a:rPr lang="ko-KR" altLang="en-US" dirty="0" smtClean="0"/>
+              <a:t>을 이용해 </a:t>
+            </a:r>
+            <a:r>
+              <a:rPr lang="en-US" altLang="ko-KR" dirty="0" err="1" smtClean="0"/>
+              <a:t>url</a:t>
+            </a:r>
+            <a:r>
+              <a:rPr lang="ko-KR" altLang="en-US" dirty="0" smtClean="0"/>
+              <a:t>을 생성하는 모듈 고안</a:t>
+            </a:r>
+            <a:endParaRPr lang="en-US" altLang="ko-KR" dirty="0" smtClean="0"/>
+          </a:p>
+          <a:p>
+            <a:pPr>
+              <a:buFontTx/>
+              <a:buChar char="-"/>
+            </a:pPr>
+            <a:r>
+              <a:rPr lang="ko-KR" altLang="en-US" dirty="0" err="1" smtClean="0"/>
+              <a:t>얻은점</a:t>
+            </a:r>
+            <a:r>
+              <a:rPr lang="ko-KR" altLang="en-US" dirty="0" smtClean="0"/>
+              <a:t> </a:t>
+            </a:r>
+            <a:r>
+              <a:rPr lang="en-US" altLang="ko-KR" dirty="0" smtClean="0"/>
+              <a:t>: public</a:t>
+            </a:r>
+            <a:r>
+              <a:rPr lang="ko-KR" altLang="en-US" dirty="0" smtClean="0"/>
+              <a:t>하게 쓸 수 있는 모듈로</a:t>
+            </a:r>
+            <a:r>
+              <a:rPr lang="en-US" altLang="ko-KR" dirty="0" smtClean="0"/>
+              <a:t>, </a:t>
+            </a:r>
+            <a:r>
+              <a:rPr lang="ko-KR" altLang="en-US" dirty="0" smtClean="0"/>
+              <a:t>공헌해보는 경험</a:t>
+            </a:r>
+            <a:r>
+              <a:rPr lang="en-US" altLang="ko-KR" dirty="0" smtClean="0"/>
+              <a:t>. </a:t>
+            </a:r>
+            <a:endParaRPr lang="en-US" altLang="ko-KR" dirty="0"/>
+          </a:p>
+          <a:p>
+            <a:pPr>
+              <a:buFontTx/>
+              <a:buChar char="-"/>
+            </a:pPr>
+            <a:r>
+              <a:rPr lang="en-US" altLang="ko-KR" dirty="0" err="1" smtClean="0"/>
+              <a:t>Javascript</a:t>
+            </a:r>
+            <a:r>
+              <a:rPr lang="en-US" altLang="ko-KR" dirty="0" smtClean="0"/>
+              <a:t> </a:t>
+            </a:r>
+            <a:r>
+              <a:rPr lang="ko-KR" altLang="en-US" dirty="0" smtClean="0"/>
+              <a:t>기반으로 웹을 짤 때 디자인 패턴이 확연히 다름을 느낌</a:t>
+            </a:r>
+            <a:r>
+              <a:rPr lang="en-US" altLang="ko-KR" dirty="0" smtClean="0"/>
+              <a:t>.</a:t>
+            </a:r>
+          </a:p>
+          <a:p>
+            <a:pPr>
+              <a:buFontTx/>
+              <a:buChar char="-"/>
+            </a:pPr>
+            <a:endParaRPr lang="en-US" altLang="ko-KR" dirty="0" smtClean="0"/>
+          </a:p>
+          <a:p>
+            <a:endParaRPr lang="ko-KR" altLang="en-US" dirty="0"/>
+          </a:p>
+        </p:txBody>
+      </p:sp>
+    </p:spTree>
+  </p:cSld>
+  <p:clrMapOvr>
+    <a:masterClrMapping/>
+  </p:clrMapOvr>
+  <p:timing>
+    <p:tnLst>
+      <p:par>
+        <p:cTn id="1" dur="indefinite" restart="never" nodeType="tmRoot"/>
+      </p:par>
+    </p:tnLst>
+  </p:timing>
+</p:sld>
+</file>
+
+<file path=ppt/slides/slide8.xml><?xml version="1.0" encoding="utf-8"?>
+<p:sld xmlns:a="http://schemas.openxmlformats.org/drawingml/2006/main" xmlns:r="http://schemas.openxmlformats.org/officeDocument/2006/relationships" xmlns:p="http://schemas.openxmlformats.org/presentationml/2006/main">
+  <p:cSld>
+    <p:spTree>
+      <p:nvGrpSpPr>
+        <p:cNvPr id="1" name=""/>
+        <p:cNvGrpSpPr/>
+        <p:nvPr/>
+      </p:nvGrpSpPr>
+      <p:grpSpPr>
+        <a:xfrm>
+          <a:off x="0" y="0"/>
+          <a:ext cx="0" cy="0"/>
+          <a:chOff x="0" y="0"/>
+          <a:chExt cx="0" cy="0"/>
+        </a:xfrm>
+      </p:grpSpPr>
+      <p:sp>
+        <p:nvSpPr>
+          <p:cNvPr id="2" name="제목 1"/>
+          <p:cNvSpPr>
+            <a:spLocks noGrp="1"/>
+          </p:cNvSpPr>
+          <p:nvPr>
+            <p:ph type="title"/>
+          </p:nvPr>
+        </p:nvSpPr>
+        <p:spPr/>
+        <p:txBody>
+          <a:bodyPr/>
+          <a:lstStyle/>
+          <a:p>
+            <a:r>
+              <a:rPr lang="en-US" altLang="ko-KR" dirty="0" smtClean="0"/>
               <a:t>3. </a:t>
             </a:r>
             <a:r>
@@ -5407,7 +6374,7 @@
 </p:sld>
 </file>
 
-<file path=ppt/slides/slide8.xml><?xml version="1.0" encoding="utf-8"?>
+<file path=ppt/slides/slide9.xml><?xml version="1.0" encoding="utf-8"?>
 <p:sld xmlns:a="http://schemas.openxmlformats.org/drawingml/2006/main" xmlns:r="http://schemas.openxmlformats.org/officeDocument/2006/relationships" xmlns:p="http://schemas.openxmlformats.org/presentationml/2006/main">
   <p:cSld>
     <p:spTree>
